--- a/Presentation/Planning_Presentation _Team 9.pptx
+++ b/Presentation/Planning_Presentation _Team 9.pptx
@@ -6,13 +6,13 @@
   </p:sldMasterIdLst>
   <p:sldIdLst>
     <p:sldId id="256" r:id="rId2"/>
-    <p:sldId id="257" r:id="rId3"/>
-    <p:sldId id="258" r:id="rId4"/>
-    <p:sldId id="259" r:id="rId5"/>
-    <p:sldId id="260" r:id="rId6"/>
-    <p:sldId id="261" r:id="rId7"/>
-    <p:sldId id="262" r:id="rId8"/>
-    <p:sldId id="263" r:id="rId9"/>
+    <p:sldId id="263" r:id="rId3"/>
+    <p:sldId id="257" r:id="rId4"/>
+    <p:sldId id="258" r:id="rId5"/>
+    <p:sldId id="259" r:id="rId6"/>
+    <p:sldId id="260" r:id="rId7"/>
+    <p:sldId id="261" r:id="rId8"/>
+    <p:sldId id="262" r:id="rId9"/>
     <p:sldId id="264" r:id="rId10"/>
   </p:sldIdLst>
   <p:sldSz cx="9144000" cy="6858000" type="screen4x3"/>
@@ -1060,6 +1060,52 @@
         </a:p>
       </dgm:t>
     </dgm:pt>
+    <dgm:pt modelId="{98B0F13E-4EAD-4732-A1DC-15687F39FDB2}">
+      <dgm:prSet phldrT="[文本]" custT="1"/>
+      <dgm:spPr/>
+      <dgm:t>
+        <a:bodyPr/>
+        <a:lstStyle/>
+        <a:p>
+          <a:r>
+            <a:rPr lang="en-US" altLang="zh-CN" sz="1800" dirty="0"/>
+            <a:t>  Date</a:t>
+          </a:r>
+          <a:endParaRPr lang="zh-CN" altLang="en-US" sz="1800" dirty="0"/>
+        </a:p>
+      </dgm:t>
+    </dgm:pt>
+    <dgm:pt modelId="{983A1AB0-3779-4631-8FD4-4A53612372F4}" type="parTrans" cxnId="{FC55BAEA-EB79-4025-AC43-832E7F0C46A7}">
+      <dgm:prSet/>
+      <dgm:spPr/>
+    </dgm:pt>
+    <dgm:pt modelId="{BCDB9BA3-B322-4535-A3C1-63AB5F257053}" type="sibTrans" cxnId="{FC55BAEA-EB79-4025-AC43-832E7F0C46A7}">
+      <dgm:prSet/>
+      <dgm:spPr/>
+    </dgm:pt>
+    <dgm:pt modelId="{2AC59203-4063-4A5C-9FA4-9821B9904690}">
+      <dgm:prSet phldrT="[文本]" custT="1"/>
+      <dgm:spPr/>
+      <dgm:t>
+        <a:bodyPr/>
+        <a:lstStyle/>
+        <a:p>
+          <a:r>
+            <a:rPr lang="en-US" altLang="zh-CN" sz="1800" dirty="0"/>
+            <a:t>Temperature, Pressure</a:t>
+          </a:r>
+          <a:endParaRPr lang="zh-CN" altLang="en-US" sz="1800" dirty="0"/>
+        </a:p>
+      </dgm:t>
+    </dgm:pt>
+    <dgm:pt modelId="{D9496476-EEBA-4F56-9C92-04F1621A1559}" type="parTrans" cxnId="{8C6C5C7C-8D18-4BE2-85A1-14219787D590}">
+      <dgm:prSet/>
+      <dgm:spPr/>
+    </dgm:pt>
+    <dgm:pt modelId="{8681B841-0FC5-43CA-847E-B415A82B6CC8}" type="sibTrans" cxnId="{8C6C5C7C-8D18-4BE2-85A1-14219787D590}">
+      <dgm:prSet/>
+      <dgm:spPr/>
+    </dgm:pt>
     <dgm:pt modelId="{1AD3AAE8-DDC2-4F88-8F7F-079C61E4E86F}" type="pres">
       <dgm:prSet presAssocID="{9399F885-EF11-4CB8-8AC6-321E875C3DB7}" presName="linear" presStyleCnt="0">
         <dgm:presLayoutVars>
@@ -1106,6 +1152,7 @@
   </dgm:ptLst>
   <dgm:cxnLst>
     <dgm:cxn modelId="{42BF5972-8719-423B-BF8B-62471BB236D4}" srcId="{4D613BF0-B820-4968-A176-254479C371E8}" destId="{2C1A4F27-DE55-4356-9317-01C00C42D8F7}" srcOrd="0" destOrd="0" parTransId="{7090E904-DD8B-45E5-A569-7518E5BC596E}" sibTransId="{068FEFEC-1A61-46A9-8BB4-090F52044303}"/>
+    <dgm:cxn modelId="{8C6C5C7C-8D18-4BE2-85A1-14219787D590}" srcId="{776FA968-77DA-4FB1-9DB5-5C7B8102C122}" destId="{2AC59203-4063-4A5C-9FA4-9821B9904690}" srcOrd="1" destOrd="0" parTransId="{D9496476-EEBA-4F56-9C92-04F1621A1559}" sibTransId="{8681B841-0FC5-43CA-847E-B415A82B6CC8}"/>
     <dgm:cxn modelId="{DA4A6291-1CA4-4D11-B9E5-DAD00685D9AB}" type="presOf" srcId="{4D613BF0-B820-4968-A176-254479C371E8}" destId="{57E67510-22A3-430D-8FB9-60A88D3620B5}" srcOrd="0" destOrd="0" presId="urn:microsoft.com/office/officeart/2005/8/layout/vList2"/>
     <dgm:cxn modelId="{ADEC61AD-2471-46F2-B2FA-CE4A4066D834}" type="presOf" srcId="{BE55DC75-93E2-49D7-8873-1E44F917C925}" destId="{15F18D7C-C1D0-4292-86EA-8C64469AA78C}" srcOrd="0" destOrd="0" presId="urn:microsoft.com/office/officeart/2005/8/layout/vList2"/>
     <dgm:cxn modelId="{7393E6B7-5B4A-4841-875E-1A4EBF05040C}" srcId="{9399F885-EF11-4CB8-8AC6-321E875C3DB7}" destId="{776FA968-77DA-4FB1-9DB5-5C7B8102C122}" srcOrd="1" destOrd="0" parTransId="{DF8894BE-C170-48A1-B811-83E48DAACC90}" sibTransId="{090D53F0-FEC3-4BA4-9E2A-9340772DCAB8}"/>
@@ -1113,7 +1160,10 @@
     <dgm:cxn modelId="{7798E6DE-CF05-4A98-AEB1-693B8945B308}" srcId="{776FA968-77DA-4FB1-9DB5-5C7B8102C122}" destId="{BE55DC75-93E2-49D7-8873-1E44F917C925}" srcOrd="0" destOrd="0" parTransId="{50E0D786-8D6F-4852-A946-79DCC4B586DC}" sibTransId="{218AF7C7-FBF1-4D2F-B062-E93676A8722F}"/>
     <dgm:cxn modelId="{304557E3-66BF-4F74-A463-ECC57ECD2380}" type="presOf" srcId="{2C1A4F27-DE55-4356-9317-01C00C42D8F7}" destId="{7F6C919B-1B2A-426C-8AEE-B631D19D9413}" srcOrd="0" destOrd="0" presId="urn:microsoft.com/office/officeart/2005/8/layout/vList2"/>
     <dgm:cxn modelId="{F99931E7-7425-4004-B9EA-0F3E7F92DF62}" type="presOf" srcId="{776FA968-77DA-4FB1-9DB5-5C7B8102C122}" destId="{1DA36E56-B1C0-4988-A24E-6571877D8CC9}" srcOrd="0" destOrd="0" presId="urn:microsoft.com/office/officeart/2005/8/layout/vList2"/>
+    <dgm:cxn modelId="{FC55BAEA-EB79-4025-AC43-832E7F0C46A7}" srcId="{4D613BF0-B820-4968-A176-254479C371E8}" destId="{98B0F13E-4EAD-4732-A1DC-15687F39FDB2}" srcOrd="1" destOrd="0" parTransId="{983A1AB0-3779-4631-8FD4-4A53612372F4}" sibTransId="{BCDB9BA3-B322-4535-A3C1-63AB5F257053}"/>
+    <dgm:cxn modelId="{568D97F1-F7AB-4BA5-A529-8421883CEC22}" type="presOf" srcId="{98B0F13E-4EAD-4732-A1DC-15687F39FDB2}" destId="{7F6C919B-1B2A-426C-8AEE-B631D19D9413}" srcOrd="0" destOrd="1" presId="urn:microsoft.com/office/officeart/2005/8/layout/vList2"/>
     <dgm:cxn modelId="{58E0C2FB-8F11-4CC0-93E2-3EE116D0ACC7}" type="presOf" srcId="{9399F885-EF11-4CB8-8AC6-321E875C3DB7}" destId="{1AD3AAE8-DDC2-4F88-8F7F-079C61E4E86F}" srcOrd="0" destOrd="0" presId="urn:microsoft.com/office/officeart/2005/8/layout/vList2"/>
+    <dgm:cxn modelId="{96986EFD-D43B-4A75-A07E-6DE9236D6653}" type="presOf" srcId="{2AC59203-4063-4A5C-9FA4-9821B9904690}" destId="{15F18D7C-C1D0-4292-86EA-8C64469AA78C}" srcOrd="0" destOrd="1" presId="urn:microsoft.com/office/officeart/2005/8/layout/vList2"/>
     <dgm:cxn modelId="{113F4E31-43C7-4F1D-95B7-A929497D7FD2}" type="presParOf" srcId="{1AD3AAE8-DDC2-4F88-8F7F-079C61E4E86F}" destId="{57E67510-22A3-430D-8FB9-60A88D3620B5}" srcOrd="0" destOrd="0" presId="urn:microsoft.com/office/officeart/2005/8/layout/vList2"/>
     <dgm:cxn modelId="{78B61563-FCDE-4705-9E9E-3FBC463D601F}" type="presParOf" srcId="{1AD3AAE8-DDC2-4F88-8F7F-079C61E4E86F}" destId="{7F6C919B-1B2A-426C-8AEE-B631D19D9413}" srcOrd="1" destOrd="0" presId="urn:microsoft.com/office/officeart/2005/8/layout/vList2"/>
     <dgm:cxn modelId="{54975CD4-106D-4D22-9E64-FA87229826DA}" type="presParOf" srcId="{1AD3AAE8-DDC2-4F88-8F7F-079C61E4E86F}" destId="{1DA36E56-B1C0-4988-A24E-6571877D8CC9}" srcOrd="2" destOrd="0" presId="urn:microsoft.com/office/officeart/2005/8/layout/vList2"/>
@@ -1280,6 +1330,25 @@
           </a:r>
           <a:endParaRPr lang="zh-CN" altLang="en-US" sz="1800" kern="1200" dirty="0"/>
         </a:p>
+        <a:p>
+          <a:pPr marL="171450" lvl="1" indent="-171450" algn="l" defTabSz="800100">
+            <a:lnSpc>
+              <a:spcPct val="90000"/>
+            </a:lnSpc>
+            <a:spcBef>
+              <a:spcPct val="0"/>
+            </a:spcBef>
+            <a:spcAft>
+              <a:spcPct val="20000"/>
+            </a:spcAft>
+            <a:buChar char="•"/>
+          </a:pPr>
+          <a:r>
+            <a:rPr lang="en-US" altLang="zh-CN" sz="1800" kern="1200" dirty="0"/>
+            <a:t>  Date</a:t>
+          </a:r>
+          <a:endParaRPr lang="zh-CN" altLang="en-US" sz="1800" kern="1200" dirty="0"/>
+        </a:p>
       </dsp:txBody>
       <dsp:txXfrm>
         <a:off x="0" y="774683"/>
@@ -1422,6 +1491,25 @@
           <a:r>
             <a:rPr lang="en-US" altLang="zh-CN" sz="1800" kern="1200" dirty="0"/>
             <a:t>Weather prediction (Sunny, Cloudy, Rainy, Foggy, Clear)</a:t>
+          </a:r>
+          <a:endParaRPr lang="zh-CN" altLang="en-US" sz="1800" kern="1200" dirty="0"/>
+        </a:p>
+        <a:p>
+          <a:pPr marL="171450" lvl="1" indent="-171450" algn="l" defTabSz="800100">
+            <a:lnSpc>
+              <a:spcPct val="90000"/>
+            </a:lnSpc>
+            <a:spcBef>
+              <a:spcPct val="0"/>
+            </a:spcBef>
+            <a:spcAft>
+              <a:spcPct val="20000"/>
+            </a:spcAft>
+            <a:buChar char="•"/>
+          </a:pPr>
+          <a:r>
+            <a:rPr lang="en-US" altLang="zh-CN" sz="1800" kern="1200" dirty="0"/>
+            <a:t>Temperature, Pressure</a:t>
           </a:r>
           <a:endParaRPr lang="zh-CN" altLang="en-US" sz="1800" kern="1200" dirty="0"/>
         </a:p>
@@ -3072,7 +3160,7 @@
             </a:ln>
             <a:extLst>
               <a:ext uri="{91240B29-F687-4f45-9708-019B960494DF}">
-                <a14:hiddenLine xmlns="" xmlns:a14="http://schemas.microsoft.com/office/drawing/2010/main" w="9525">
+                <a14:hiddenLine xmlns:a14="http://schemas.microsoft.com/office/drawing/2010/main" xmlns="" w="9525">
                   <a:solidFill>
                     <a:srgbClr val="000000"/>
                   </a:solidFill>
@@ -4155,7 +4243,7 @@
             </a:ln>
             <a:extLst>
               <a:ext uri="{91240B29-F687-4f45-9708-019B960494DF}">
-                <a14:hiddenLine xmlns="" xmlns:a14="http://schemas.microsoft.com/office/drawing/2010/main" w="9525">
+                <a14:hiddenLine xmlns:a14="http://schemas.microsoft.com/office/drawing/2010/main" xmlns="" w="9525">
                   <a:solidFill>
                     <a:srgbClr val="000000"/>
                   </a:solidFill>
@@ -5243,7 +5331,7 @@
             </a:ln>
             <a:extLst>
               <a:ext uri="{91240B29-F687-4f45-9708-019B960494DF}">
-                <a14:hiddenLine xmlns="" xmlns:a14="http://schemas.microsoft.com/office/drawing/2010/main" w="9525">
+                <a14:hiddenLine xmlns:a14="http://schemas.microsoft.com/office/drawing/2010/main" xmlns="" w="9525">
                   <a:solidFill>
                     <a:srgbClr val="000000"/>
                   </a:solidFill>
@@ -6206,7 +6294,7 @@
             </a:ln>
             <a:extLst>
               <a:ext uri="{91240B29-F687-4f45-9708-019B960494DF}">
-                <a14:hiddenLine xmlns="" xmlns:a14="http://schemas.microsoft.com/office/drawing/2010/main" w="9525">
+                <a14:hiddenLine xmlns:a14="http://schemas.microsoft.com/office/drawing/2010/main" xmlns="" w="9525">
                   <a:solidFill>
                     <a:srgbClr val="000000"/>
                   </a:solidFill>
@@ -7323,7 +7411,7 @@
             </a:ln>
             <a:extLst>
               <a:ext uri="{91240B29-F687-4f45-9708-019B960494DF}">
-                <a14:hiddenLine xmlns="" xmlns:a14="http://schemas.microsoft.com/office/drawing/2010/main" w="9525">
+                <a14:hiddenLine xmlns:a14="http://schemas.microsoft.com/office/drawing/2010/main" xmlns="" w="9525">
                   <a:solidFill>
                     <a:srgbClr val="000000"/>
                   </a:solidFill>
@@ -10080,7 +10168,7 @@
           </a:ln>
           <a:extLst>
             <a:ext uri="{91240B29-F687-4f45-9708-019B960494DF}">
-              <a14:hiddenLine xmlns="" xmlns:a14="http://schemas.microsoft.com/office/drawing/2010/main" w="9525">
+              <a14:hiddenLine xmlns:a14="http://schemas.microsoft.com/office/drawing/2010/main" xmlns="" w="9525">
                 <a:solidFill>
                   <a:srgbClr val="000000"/>
                 </a:solidFill>
@@ -11259,7 +11347,7 @@
             </a:ln>
             <a:extLst>
               <a:ext uri="{91240B29-F687-4f45-9708-019B960494DF}">
-                <a14:hiddenLine xmlns="" xmlns:a14="http://schemas.microsoft.com/office/drawing/2010/main" w="9525">
+                <a14:hiddenLine xmlns:a14="http://schemas.microsoft.com/office/drawing/2010/main" xmlns="" w="9525">
                   <a:solidFill>
                     <a:srgbClr val="000000"/>
                   </a:solidFill>
@@ -13237,7 +13325,7 @@
             </a:ln>
             <a:extLst>
               <a:ext uri="{91240B29-F687-4f45-9708-019B960494DF}">
-                <a14:hiddenLine xmlns="" xmlns:a14="http://schemas.microsoft.com/office/drawing/2010/main" w="9525">
+                <a14:hiddenLine xmlns:a14="http://schemas.microsoft.com/office/drawing/2010/main" xmlns="" w="9525">
                   <a:solidFill>
                     <a:srgbClr val="000000"/>
                   </a:solidFill>
@@ -14297,7 +14385,7 @@
             </a:ln>
             <a:extLst>
               <a:ext uri="{91240B29-F687-4f45-9708-019B960494DF}">
-                <a14:hiddenLine xmlns="" xmlns:a14="http://schemas.microsoft.com/office/drawing/2010/main" w="9525">
+                <a14:hiddenLine xmlns:a14="http://schemas.microsoft.com/office/drawing/2010/main" xmlns="" w="9525">
                   <a:solidFill>
                     <a:srgbClr val="000000"/>
                   </a:solidFill>
@@ -15349,7 +15437,7 @@
             </a:ln>
             <a:extLst>
               <a:ext uri="{91240B29-F687-4f45-9708-019B960494DF}">
-                <a14:hiddenLine xmlns="" xmlns:a14="http://schemas.microsoft.com/office/drawing/2010/main" w="9525">
+                <a14:hiddenLine xmlns:a14="http://schemas.microsoft.com/office/drawing/2010/main" xmlns="" w="9525">
                   <a:solidFill>
                     <a:srgbClr val="000000"/>
                   </a:solidFill>
@@ -16063,8 +16151,8 @@
         </p:nvSpPr>
         <p:spPr>
           <a:xfrm>
-            <a:off x="785786" y="764704"/>
-            <a:ext cx="7772400" cy="2205495"/>
+            <a:off x="785786" y="764705"/>
+            <a:ext cx="7772400" cy="1872208"/>
           </a:xfrm>
         </p:spPr>
         <p:txBody>
@@ -16097,19 +16185,75 @@
         </p:nvSpPr>
         <p:spPr>
           <a:xfrm>
-            <a:off x="899592" y="4364554"/>
-            <a:ext cx="6336704" cy="1728741"/>
+            <a:off x="899592" y="4221088"/>
+            <a:ext cx="6336704" cy="1872208"/>
           </a:xfrm>
         </p:spPr>
         <p:txBody>
           <a:bodyPr>
-            <a:normAutofit/>
+            <a:noAutofit/>
           </a:bodyPr>
           <a:lstStyle/>
           <a:p>
             <a:pPr algn="l"/>
             <a:r>
-              <a:rPr lang="en-US" altLang="zh-CN" sz="1400" b="1" dirty="0">
+              <a:rPr lang="en-US" altLang="zh-CN" sz="1200" b="1" dirty="0">
+                <a:solidFill>
+                  <a:schemeClr val="tx1"/>
+                </a:solidFill>
+                <a:latin typeface="Verdana" panose="020B0604030504040204" pitchFamily="34" charset="0"/>
+                <a:ea typeface="Verdana" panose="020B0604030504040204" pitchFamily="34" charset="0"/>
+                <a:cs typeface="Verdana" panose="020B0604030504040204" pitchFamily="34" charset="0"/>
+              </a:rPr>
+              <a:t>Course: </a:t>
+            </a:r>
+          </a:p>
+          <a:p>
+            <a:pPr algn="l"/>
+            <a:r>
+              <a:rPr lang="en-US" altLang="zh-CN" sz="1200" b="1" dirty="0">
+                <a:solidFill>
+                  <a:schemeClr val="tx1"/>
+                </a:solidFill>
+                <a:latin typeface="Verdana" panose="020B0604030504040204" pitchFamily="34" charset="0"/>
+                <a:ea typeface="Verdana" panose="020B0604030504040204" pitchFamily="34" charset="0"/>
+                <a:cs typeface="Verdana" panose="020B0604030504040204" pitchFamily="34" charset="0"/>
+              </a:rPr>
+              <a:t>CSYE 7200: Big-data engineering Using SCALA</a:t>
+            </a:r>
+          </a:p>
+          <a:p>
+            <a:pPr algn="l"/>
+            <a:r>
+              <a:rPr lang="en-US" altLang="zh-CN" sz="1200" b="1" dirty="0">
+                <a:solidFill>
+                  <a:schemeClr val="tx1"/>
+                </a:solidFill>
+                <a:latin typeface="Verdana" panose="020B0604030504040204" pitchFamily="34" charset="0"/>
+                <a:ea typeface="Verdana" panose="020B0604030504040204" pitchFamily="34" charset="0"/>
+                <a:cs typeface="Verdana" panose="020B0604030504040204" pitchFamily="34" charset="0"/>
+              </a:rPr>
+              <a:t>Professor: </a:t>
+            </a:r>
+          </a:p>
+          <a:p>
+            <a:pPr algn="l"/>
+            <a:r>
+              <a:rPr lang="en-US" altLang="zh-CN" sz="1200" b="1" dirty="0">
+                <a:solidFill>
+                  <a:schemeClr val="tx1"/>
+                </a:solidFill>
+                <a:latin typeface="Verdana" panose="020B0604030504040204" pitchFamily="34" charset="0"/>
+                <a:ea typeface="Verdana" panose="020B0604030504040204" pitchFamily="34" charset="0"/>
+                <a:cs typeface="Verdana" panose="020B0604030504040204" pitchFamily="34" charset="0"/>
+              </a:rPr>
+              <a:t>Robin Hillyard</a:t>
+            </a:r>
+          </a:p>
+          <a:p>
+            <a:pPr algn="l"/>
+            <a:r>
+              <a:rPr lang="en-US" altLang="zh-CN" sz="1200" b="1" dirty="0">
                 <a:solidFill>
                   <a:schemeClr val="tx1"/>
                 </a:solidFill>
@@ -16120,7 +16264,7 @@
               <a:t>Team 9</a:t>
             </a:r>
             <a:r>
-              <a:rPr lang="en-US" altLang="zh-CN" sz="1400" dirty="0">
+              <a:rPr lang="en-US" altLang="zh-CN" sz="1200" dirty="0">
                 <a:solidFill>
                   <a:schemeClr val="tx1"/>
                 </a:solidFill>
@@ -16134,7 +16278,7 @@
           <a:p>
             <a:pPr algn="l"/>
             <a:r>
-              <a:rPr lang="en-US" altLang="zh-CN" sz="1400" b="1" dirty="0" err="1">
+              <a:rPr lang="en-US" altLang="zh-CN" sz="1200" b="1" dirty="0" err="1">
                 <a:solidFill>
                   <a:schemeClr val="tx1"/>
                 </a:solidFill>
@@ -16145,7 +16289,7 @@
               <a:t>Renteng</a:t>
             </a:r>
             <a:r>
-              <a:rPr lang="en-US" altLang="zh-CN" sz="1400" b="1" dirty="0">
+              <a:rPr lang="en-US" altLang="zh-CN" sz="1200" b="1" dirty="0">
                 <a:solidFill>
                   <a:schemeClr val="tx1"/>
                 </a:solidFill>
@@ -16153,33 +16297,10 @@
                 <a:ea typeface="Verdana" panose="020B0604030504040204" pitchFamily="34" charset="0"/>
                 <a:cs typeface="Verdana" panose="020B0604030504040204" pitchFamily="34" charset="0"/>
               </a:rPr>
-              <a:t> Huang</a:t>
+              <a:t> Huang,</a:t>
             </a:r>
             <a:r>
-              <a:rPr lang="en-US" altLang="zh-CN" sz="1400" dirty="0">
-                <a:solidFill>
-                  <a:schemeClr val="tx1"/>
-                </a:solidFill>
-                <a:latin typeface="Verdana" panose="020B0604030504040204" pitchFamily="34" charset="0"/>
-                <a:ea typeface="Verdana" panose="020B0604030504040204" pitchFamily="34" charset="0"/>
-                <a:cs typeface="Verdana" panose="020B0604030504040204" pitchFamily="34" charset="0"/>
-              </a:rPr>
-              <a:t>      -  </a:t>
-            </a:r>
-            <a:r>
-              <a:rPr lang="en-US" altLang="zh-CN" sz="1400" dirty="0">
-                <a:solidFill>
-                  <a:schemeClr val="tx1"/>
-                </a:solidFill>
-                <a:latin typeface="Verdana" panose="020B0604030504040204" pitchFamily="34" charset="0"/>
-                <a:ea typeface="Verdana" panose="020B0604030504040204" pitchFamily="34" charset="0"/>
-                <a:cs typeface="Verdana" panose="020B0604030504040204" pitchFamily="34" charset="0"/>
-                <a:hlinkClick r:id="rId2"/>
-              </a:rPr>
-              <a:t>huang.re@husky.neu.edu</a:t>
-            </a:r>
-            <a:r>
-              <a:rPr lang="en-US" altLang="zh-CN" sz="1400" dirty="0">
+              <a:rPr lang="en-US" altLang="zh-CN" sz="1200" dirty="0">
                 <a:solidFill>
                   <a:schemeClr val="tx1"/>
                 </a:solidFill>
@@ -16189,11 +16310,8 @@
               </a:rPr>
               <a:t> </a:t>
             </a:r>
-          </a:p>
-          <a:p>
-            <a:pPr algn="l"/>
             <a:r>
-              <a:rPr lang="en-US" altLang="zh-CN" sz="1400" b="1" dirty="0" err="1">
+              <a:rPr lang="en-US" altLang="zh-CN" sz="1200" b="1" dirty="0" err="1">
                 <a:solidFill>
                   <a:schemeClr val="tx1"/>
                 </a:solidFill>
@@ -16204,7 +16322,7 @@
               <a:t>ShuangShuang</a:t>
             </a:r>
             <a:r>
-              <a:rPr lang="en-US" altLang="zh-CN" sz="1400" b="1" dirty="0">
+              <a:rPr lang="en-US" altLang="zh-CN" sz="1200" b="1" dirty="0">
                 <a:solidFill>
                   <a:schemeClr val="tx1"/>
                 </a:solidFill>
@@ -16212,81 +16330,10 @@
                 <a:ea typeface="Verdana" panose="020B0604030504040204" pitchFamily="34" charset="0"/>
                 <a:cs typeface="Verdana" panose="020B0604030504040204" pitchFamily="34" charset="0"/>
               </a:rPr>
-              <a:t> Xu </a:t>
+              <a:t> Xu, Balaji Mudaliyar  </a:t>
             </a:r>
             <a:r>
-              <a:rPr lang="en-US" altLang="zh-CN" sz="1400" dirty="0">
-                <a:solidFill>
-                  <a:schemeClr val="tx1"/>
-                </a:solidFill>
-                <a:latin typeface="Verdana" panose="020B0604030504040204" pitchFamily="34" charset="0"/>
-                <a:ea typeface="Verdana" panose="020B0604030504040204" pitchFamily="34" charset="0"/>
-                <a:cs typeface="Verdana" panose="020B0604030504040204" pitchFamily="34" charset="0"/>
-              </a:rPr>
-              <a:t>- </a:t>
-            </a:r>
-            <a:r>
-              <a:rPr lang="en-US" altLang="zh-CN" sz="1400" dirty="0">
-                <a:solidFill>
-                  <a:schemeClr val="tx1"/>
-                </a:solidFill>
-                <a:latin typeface="Verdana" panose="020B0604030504040204" pitchFamily="34" charset="0"/>
-                <a:ea typeface="Verdana" panose="020B0604030504040204" pitchFamily="34" charset="0"/>
-                <a:cs typeface="Verdana" panose="020B0604030504040204" pitchFamily="34" charset="0"/>
-                <a:hlinkClick r:id="rId3"/>
-              </a:rPr>
-              <a:t>xu.shua@husky.neu.edu</a:t>
-            </a:r>
-            <a:r>
-              <a:rPr lang="en-US" altLang="zh-CN" sz="1400" dirty="0">
-                <a:solidFill>
-                  <a:schemeClr val="tx1"/>
-                </a:solidFill>
-                <a:latin typeface="Verdana" panose="020B0604030504040204" pitchFamily="34" charset="0"/>
-                <a:ea typeface="Verdana" panose="020B0604030504040204" pitchFamily="34" charset="0"/>
-                <a:cs typeface="Verdana" panose="020B0604030504040204" pitchFamily="34" charset="0"/>
-              </a:rPr>
-              <a:t> </a:t>
-            </a:r>
-          </a:p>
-          <a:p>
-            <a:pPr algn="l"/>
-            <a:r>
-              <a:rPr lang="en-US" altLang="zh-CN" sz="1400" b="1" dirty="0">
-                <a:solidFill>
-                  <a:schemeClr val="tx1"/>
-                </a:solidFill>
-                <a:latin typeface="Verdana" panose="020B0604030504040204" pitchFamily="34" charset="0"/>
-                <a:ea typeface="Verdana" panose="020B0604030504040204" pitchFamily="34" charset="0"/>
-                <a:cs typeface="Verdana" panose="020B0604030504040204" pitchFamily="34" charset="0"/>
-              </a:rPr>
-              <a:t>Balaji Mudaliyar  </a:t>
-            </a:r>
-            <a:r>
-              <a:rPr lang="en-US" altLang="zh-CN" sz="1400" dirty="0">
-                <a:solidFill>
-                  <a:schemeClr val="tx1"/>
-                </a:solidFill>
-                <a:latin typeface="Verdana" panose="020B0604030504040204" pitchFamily="34" charset="0"/>
-                <a:ea typeface="Verdana" panose="020B0604030504040204" pitchFamily="34" charset="0"/>
-                <a:cs typeface="Verdana" panose="020B0604030504040204" pitchFamily="34" charset="0"/>
-              </a:rPr>
-              <a:t>- </a:t>
-            </a:r>
-            <a:r>
-              <a:rPr lang="en-US" altLang="zh-CN" sz="1400" dirty="0">
-                <a:solidFill>
-                  <a:schemeClr val="tx1"/>
-                </a:solidFill>
-                <a:latin typeface="Verdana" panose="020B0604030504040204" pitchFamily="34" charset="0"/>
-                <a:ea typeface="Verdana" panose="020B0604030504040204" pitchFamily="34" charset="0"/>
-                <a:cs typeface="Verdana" panose="020B0604030504040204" pitchFamily="34" charset="0"/>
-                <a:hlinkClick r:id="rId4"/>
-              </a:rPr>
-              <a:t>Mudaliyar.b@husky.neu.edu</a:t>
-            </a:r>
-            <a:r>
-              <a:rPr lang="en-US" altLang="zh-CN" sz="1400" dirty="0">
+              <a:rPr lang="en-US" altLang="zh-CN" sz="1200" dirty="0">
                 <a:solidFill>
                   <a:schemeClr val="tx1"/>
                 </a:solidFill>
@@ -16296,7 +16343,7 @@
               </a:rPr>
               <a:t>	</a:t>
             </a:r>
-            <a:endParaRPr lang="zh-CN" altLang="en-US" sz="1400" dirty="0">
+            <a:endParaRPr lang="zh-CN" altLang="en-US" sz="1200" dirty="0">
               <a:solidFill>
                 <a:schemeClr val="tx1"/>
               </a:solidFill>
@@ -16321,14 +16368,14 @@
           <p:nvPr/>
         </p:nvPicPr>
         <p:blipFill>
-          <a:blip r:embed="rId5"/>
+          <a:blip r:embed="rId2"/>
           <a:stretch>
             <a:fillRect/>
           </a:stretch>
         </p:blipFill>
         <p:spPr>
           <a:xfrm>
-            <a:off x="899592" y="3250588"/>
+            <a:off x="899592" y="2901085"/>
             <a:ext cx="1831377" cy="809719"/>
           </a:xfrm>
           <a:prstGeom prst="rect">
@@ -16351,14 +16398,14 @@
           <p:nvPr/>
         </p:nvPicPr>
         <p:blipFill>
-          <a:blip r:embed="rId6"/>
+          <a:blip r:embed="rId3"/>
           <a:stretch>
             <a:fillRect/>
           </a:stretch>
         </p:blipFill>
         <p:spPr>
           <a:xfrm>
-            <a:off x="3114675" y="3274447"/>
+            <a:off x="3114675" y="2924944"/>
             <a:ext cx="1457325" cy="762000"/>
           </a:xfrm>
           <a:prstGeom prst="rect">
@@ -16375,6 +16422,436 @@
 </file>
 
 <file path=ppt/slides/slide2.xml><?xml version="1.0" encoding="utf-8"?>
+<p:sld xmlns:a="http://schemas.openxmlformats.org/drawingml/2006/main" xmlns:r="http://schemas.openxmlformats.org/officeDocument/2006/relationships" xmlns:p="http://schemas.openxmlformats.org/presentationml/2006/main">
+  <p:cSld>
+    <p:bg>
+      <p:bgPr>
+        <a:solidFill>
+          <a:schemeClr val="bg1"/>
+        </a:solidFill>
+        <a:effectLst/>
+      </p:bgPr>
+    </p:bg>
+    <p:spTree>
+      <p:nvGrpSpPr>
+        <p:cNvPr id="1" name=""/>
+        <p:cNvGrpSpPr/>
+        <p:nvPr/>
+      </p:nvGrpSpPr>
+      <p:grpSpPr>
+        <a:xfrm>
+          <a:off x="0" y="0"/>
+          <a:ext cx="0" cy="0"/>
+          <a:chOff x="0" y="0"/>
+          <a:chExt cx="0" cy="0"/>
+        </a:xfrm>
+      </p:grpSpPr>
+      <p:grpSp>
+        <p:nvGrpSpPr>
+          <p:cNvPr id="30" name="Group 29">
+            <a:extLst>
+              <a:ext uri="{FF2B5EF4-FFF2-40B4-BE49-F238E27FC236}">
+                <a16:creationId xmlns:a16="http://schemas.microsoft.com/office/drawing/2014/main" id="{FFFE4BE0-D95E-44D8-B951-122D45F8610E}"/>
+              </a:ext>
+            </a:extLst>
+          </p:cNvPr>
+          <p:cNvGrpSpPr>
+            <a:grpSpLocks noGrp="1" noUngrp="1" noRot="1" noChangeAspect="1" noMove="1" noResize="1"/>
+          </p:cNvGrpSpPr>
+          <p:nvPr>
+            <p:extLst>
+              <p:ext uri="{386F3935-93C4-4BCD-93E2-E3B085C9AB24}">
+                <p16:designElem xmlns:p16="http://schemas.microsoft.com/office/powerpoint/2015/main" val="1"/>
+              </p:ext>
+            </p:extLst>
+          </p:nvPr>
+        </p:nvGrpSpPr>
+        <p:grpSpPr>
+          <a:xfrm>
+            <a:off x="0" y="0"/>
+            <a:ext cx="9144000" cy="6858000"/>
+            <a:chOff x="0" y="0"/>
+            <a:chExt cx="12192000" cy="6858000"/>
+          </a:xfrm>
+        </p:grpSpPr>
+        <p:sp>
+          <p:nvSpPr>
+            <p:cNvPr id="31" name="Rectangle 30">
+              <a:extLst>
+                <a:ext uri="{FF2B5EF4-FFF2-40B4-BE49-F238E27FC236}">
+                  <a16:creationId xmlns:a16="http://schemas.microsoft.com/office/drawing/2014/main" id="{6DFBE54E-A701-4039-AC57-CF06B37CC626}"/>
+                </a:ext>
+              </a:extLst>
+            </p:cNvPr>
+            <p:cNvSpPr/>
+            <p:nvPr>
+              <p:extLst>
+                <p:ext uri="{386F3935-93C4-4BCD-93E2-E3B085C9AB24}">
+                  <p16:designElem xmlns:p16="http://schemas.microsoft.com/office/powerpoint/2015/main" val="1"/>
+                </p:ext>
+              </p:extLst>
+            </p:nvPr>
+          </p:nvSpPr>
+          <p:spPr>
+            <a:xfrm>
+              <a:off x="0" y="0"/>
+              <a:ext cx="12192000" cy="6858000"/>
+            </a:xfrm>
+            <a:prstGeom prst="rect">
+              <a:avLst/>
+            </a:prstGeom>
+            <a:blipFill>
+              <a:blip r:embed="rId2">
+                <a:duotone>
+                  <a:schemeClr val="dk2">
+                    <a:shade val="69000"/>
+                    <a:hueMod val="91000"/>
+                    <a:satMod val="164000"/>
+                    <a:lumMod val="74000"/>
+                  </a:schemeClr>
+                  <a:schemeClr val="dk2">
+                    <a:hueMod val="124000"/>
+                    <a:satMod val="140000"/>
+                    <a:lumMod val="142000"/>
+                  </a:schemeClr>
+                </a:duotone>
+              </a:blip>
+              <a:stretch>
+                <a:fillRect/>
+              </a:stretch>
+            </a:blipFill>
+            <a:ln>
+              <a:noFill/>
+            </a:ln>
+          </p:spPr>
+          <p:style>
+            <a:lnRef idx="2">
+              <a:schemeClr val="accent1">
+                <a:shade val="50000"/>
+              </a:schemeClr>
+            </a:lnRef>
+            <a:fillRef idx="1">
+              <a:schemeClr val="accent1"/>
+            </a:fillRef>
+            <a:effectRef idx="0">
+              <a:schemeClr val="accent1"/>
+            </a:effectRef>
+            <a:fontRef idx="minor">
+              <a:schemeClr val="lt1"/>
+            </a:fontRef>
+          </p:style>
+        </p:sp>
+        <p:sp>
+          <p:nvSpPr>
+            <p:cNvPr id="32" name="Freeform 5">
+              <a:extLst>
+                <a:ext uri="{FF2B5EF4-FFF2-40B4-BE49-F238E27FC236}">
+                  <a16:creationId xmlns:a16="http://schemas.microsoft.com/office/drawing/2014/main" id="{D33A9890-FE1F-4F08-8EF4-FD2B43954605}"/>
+                </a:ext>
+              </a:extLst>
+            </p:cNvPr>
+            <p:cNvSpPr>
+              <a:spLocks noEditPoints="1"/>
+            </p:cNvSpPr>
+            <p:nvPr>
+              <p:extLst>
+                <p:ext uri="{386F3935-93C4-4BCD-93E2-E3B085C9AB24}">
+                  <p16:designElem xmlns:p16="http://schemas.microsoft.com/office/powerpoint/2015/main" val="1"/>
+                </p:ext>
+              </p:extLst>
+            </p:nvPr>
+          </p:nvSpPr>
+          <p:spPr bwMode="gray">
+            <a:xfrm>
+              <a:off x="0" y="1587"/>
+              <a:ext cx="12192000" cy="6856413"/>
+            </a:xfrm>
+            <a:custGeom>
+              <a:avLst/>
+              <a:gdLst/>
+              <a:ahLst/>
+              <a:cxnLst/>
+              <a:rect l="0" t="0" r="r" b="b"/>
+              <a:pathLst>
+                <a:path w="15356" h="8638">
+                  <a:moveTo>
+                    <a:pt x="0" y="0"/>
+                  </a:moveTo>
+                  <a:lnTo>
+                    <a:pt x="0" y="8638"/>
+                  </a:lnTo>
+                  <a:lnTo>
+                    <a:pt x="15356" y="8638"/>
+                  </a:lnTo>
+                  <a:lnTo>
+                    <a:pt x="15356" y="0"/>
+                  </a:lnTo>
+                  <a:lnTo>
+                    <a:pt x="0" y="0"/>
+                  </a:lnTo>
+                  <a:close/>
+                  <a:moveTo>
+                    <a:pt x="14748" y="8038"/>
+                  </a:moveTo>
+                  <a:lnTo>
+                    <a:pt x="600" y="8038"/>
+                  </a:lnTo>
+                  <a:lnTo>
+                    <a:pt x="600" y="592"/>
+                  </a:lnTo>
+                  <a:lnTo>
+                    <a:pt x="14748" y="592"/>
+                  </a:lnTo>
+                  <a:lnTo>
+                    <a:pt x="14748" y="8038"/>
+                  </a:lnTo>
+                  <a:close/>
+                </a:path>
+              </a:pathLst>
+            </a:custGeom>
+            <a:solidFill>
+              <a:schemeClr val="bg1"/>
+            </a:solidFill>
+            <a:ln>
+              <a:noFill/>
+            </a:ln>
+          </p:spPr>
+        </p:sp>
+      </p:grpSp>
+      <p:pic>
+        <p:nvPicPr>
+          <p:cNvPr id="25" name="Picture 4" descr="Image result for Goals of the project">
+            <a:hlinkClick r:id="rId3"/>
+            <a:extLst>
+              <a:ext uri="{FF2B5EF4-FFF2-40B4-BE49-F238E27FC236}">
+                <a16:creationId xmlns:a16="http://schemas.microsoft.com/office/drawing/2014/main" id="{7831853B-4A58-45CE-9290-4A4175E9A36E}"/>
+              </a:ext>
+            </a:extLst>
+          </p:cNvPr>
+          <p:cNvPicPr>
+            <a:picLocks noChangeAspect="1" noChangeArrowheads="1"/>
+          </p:cNvPicPr>
+          <p:nvPr/>
+        </p:nvPicPr>
+        <p:blipFill rotWithShape="1">
+          <a:blip r:embed="rId4">
+            <a:duotone>
+              <a:prstClr val="black"/>
+              <a:schemeClr val="accent5">
+                <a:tint val="45000"/>
+                <a:satMod val="400000"/>
+              </a:schemeClr>
+            </a:duotone>
+            <a:alphaModFix amt="25000"/>
+            <a:extLst>
+              <a:ext uri="{28A0092B-C50C-407E-A947-70E740481C1C}">
+                <a14:useLocalDpi xmlns:a14="http://schemas.microsoft.com/office/drawing/2010/main" val="0"/>
+              </a:ext>
+            </a:extLst>
+          </a:blip>
+          <a:srcRect t="2176" r="8744" b="2372"/>
+          <a:stretch/>
+        </p:blipFill>
+        <p:spPr bwMode="auto">
+          <a:xfrm>
+            <a:off x="355599" y="482600"/>
+            <a:ext cx="8432801" cy="5909733"/>
+          </a:xfrm>
+          <a:prstGeom prst="rect">
+            <a:avLst/>
+          </a:prstGeom>
+          <a:noFill/>
+          <a:extLst>
+            <a:ext uri="{909E8E84-426E-40DD-AFC4-6F175D3DCCD1}">
+              <a14:hiddenFill xmlns:a14="http://schemas.microsoft.com/office/drawing/2010/main">
+                <a:solidFill>
+                  <a:srgbClr val="FFFFFF"/>
+                </a:solidFill>
+              </a14:hiddenFill>
+            </a:ext>
+          </a:extLst>
+        </p:spPr>
+      </p:pic>
+      <p:sp>
+        <p:nvSpPr>
+          <p:cNvPr id="34" name="Rectangle 33">
+            <a:extLst>
+              <a:ext uri="{FF2B5EF4-FFF2-40B4-BE49-F238E27FC236}">
+                <a16:creationId xmlns:a16="http://schemas.microsoft.com/office/drawing/2014/main" id="{92515798-C8A3-40E7-A830-82681C81A0CD}"/>
+              </a:ext>
+            </a:extLst>
+          </p:cNvPr>
+          <p:cNvSpPr>
+            <a:spLocks noGrp="1" noRot="1" noChangeAspect="1" noMove="1" noResize="1" noEditPoints="1" noAdjustHandles="1" noChangeArrowheads="1" noChangeShapeType="1" noTextEdit="1"/>
+          </p:cNvSpPr>
+          <p:nvPr>
+            <p:extLst>
+              <p:ext uri="{386F3935-93C4-4BCD-93E2-E3B085C9AB24}">
+                <p16:designElem xmlns:p16="http://schemas.microsoft.com/office/powerpoint/2015/main" val="1"/>
+              </p:ext>
+            </p:extLst>
+          </p:nvPr>
+        </p:nvSpPr>
+        <p:spPr>
+          <a:xfrm>
+            <a:off x="7828359" y="0"/>
+            <a:ext cx="514350" cy="1143000"/>
+          </a:xfrm>
+          <a:prstGeom prst="rect">
+            <a:avLst/>
+          </a:prstGeom>
+          <a:solidFill>
+            <a:schemeClr val="accent1"/>
+          </a:solidFill>
+          <a:ln>
+            <a:noFill/>
+          </a:ln>
+        </p:spPr>
+        <p:style>
+          <a:lnRef idx="1">
+            <a:schemeClr val="accent1"/>
+          </a:lnRef>
+          <a:fillRef idx="3">
+            <a:schemeClr val="accent1"/>
+          </a:fillRef>
+          <a:effectRef idx="2">
+            <a:schemeClr val="accent1"/>
+          </a:effectRef>
+          <a:fontRef idx="minor">
+            <a:schemeClr val="lt1"/>
+          </a:fontRef>
+        </p:style>
+      </p:sp>
+      <p:sp>
+        <p:nvSpPr>
+          <p:cNvPr id="2" name="标题 1"/>
+          <p:cNvSpPr>
+            <a:spLocks noGrp="1"/>
+          </p:cNvSpPr>
+          <p:nvPr>
+            <p:ph type="title"/>
+          </p:nvPr>
+        </p:nvSpPr>
+        <p:spPr>
+          <a:xfrm>
+            <a:off x="866215" y="973668"/>
+            <a:ext cx="6571060" cy="706964"/>
+          </a:xfrm>
+        </p:spPr>
+        <p:txBody>
+          <a:bodyPr>
+            <a:normAutofit/>
+          </a:bodyPr>
+          <a:lstStyle/>
+          <a:p>
+            <a:r>
+              <a:rPr lang="en-US" altLang="zh-CN"/>
+              <a:t>Goals of the project</a:t>
+            </a:r>
+            <a:endParaRPr lang="zh-CN" altLang="en-US"/>
+          </a:p>
+        </p:txBody>
+      </p:sp>
+      <p:sp>
+        <p:nvSpPr>
+          <p:cNvPr id="3" name="内容占位符 2"/>
+          <p:cNvSpPr>
+            <a:spLocks noGrp="1"/>
+          </p:cNvSpPr>
+          <p:nvPr>
+            <p:ph idx="1"/>
+          </p:nvPr>
+        </p:nvSpPr>
+        <p:spPr>
+          <a:xfrm>
+            <a:off x="866215" y="1820333"/>
+            <a:ext cx="7476494" cy="2976819"/>
+          </a:xfrm>
+        </p:spPr>
+        <p:txBody>
+          <a:bodyPr anchor="ctr">
+            <a:normAutofit/>
+          </a:bodyPr>
+          <a:lstStyle/>
+          <a:p>
+            <a:pPr algn="just"/>
+            <a:r>
+              <a:rPr lang="en-US" dirty="0">
+                <a:solidFill>
+                  <a:schemeClr val="bg1"/>
+                </a:solidFill>
+              </a:rPr>
+              <a:t>To predict the future weather condition of London city(1 week).</a:t>
+            </a:r>
+          </a:p>
+          <a:p>
+            <a:pPr algn="just"/>
+            <a:r>
+              <a:rPr lang="en-US" dirty="0">
+                <a:solidFill>
+                  <a:schemeClr val="bg1"/>
+                </a:solidFill>
+              </a:rPr>
+              <a:t>To develop Apache - Spark Scala code to clean, train, model the data.</a:t>
+            </a:r>
+          </a:p>
+          <a:p>
+            <a:pPr algn="just"/>
+            <a:r>
+              <a:rPr lang="en-US" dirty="0">
+                <a:solidFill>
+                  <a:schemeClr val="bg1"/>
+                </a:solidFill>
+              </a:rPr>
+              <a:t>To use Apache - Spark Scala </a:t>
+            </a:r>
+            <a:r>
+              <a:rPr lang="en-US" dirty="0" err="1">
+                <a:solidFill>
+                  <a:schemeClr val="bg1"/>
+                </a:solidFill>
+              </a:rPr>
+              <a:t>MLib</a:t>
+            </a:r>
+            <a:r>
+              <a:rPr lang="en-US" dirty="0">
+                <a:solidFill>
+                  <a:schemeClr val="bg1"/>
+                </a:solidFill>
+              </a:rPr>
+              <a:t>(Machine Learning Library) to predict the weather.</a:t>
+            </a:r>
+          </a:p>
+          <a:p>
+            <a:pPr algn="just"/>
+            <a:r>
+              <a:rPr lang="en-US" dirty="0">
+                <a:solidFill>
+                  <a:schemeClr val="bg1"/>
+                </a:solidFill>
+              </a:rPr>
+              <a:t>We will be implementing the UI using play framework.</a:t>
+            </a:r>
+          </a:p>
+          <a:p>
+            <a:pPr algn="just"/>
+            <a:endParaRPr lang="zh-CN" altLang="en-US" dirty="0">
+              <a:solidFill>
+                <a:schemeClr val="bg1"/>
+              </a:solidFill>
+            </a:endParaRPr>
+          </a:p>
+        </p:txBody>
+      </p:sp>
+    </p:spTree>
+  </p:cSld>
+  <p:clrMapOvr>
+    <a:masterClrMapping/>
+  </p:clrMapOvr>
+</p:sld>
+</file>
+
+<file path=ppt/slides/slide3.xml><?xml version="1.0" encoding="utf-8"?>
 <p:sld xmlns:a="http://schemas.openxmlformats.org/drawingml/2006/main" xmlns:r="http://schemas.openxmlformats.org/officeDocument/2006/relationships" xmlns:p="http://schemas.openxmlformats.org/presentationml/2006/main">
   <p:cSld>
     <p:spTree>
@@ -16430,7 +16907,7 @@
             <p:ph idx="1"/>
             <p:extLst>
               <p:ext uri="{D42A27DB-BD31-4B8C-83A1-F6EECF244321}">
-                <p14:modId xmlns:p14="http://schemas.microsoft.com/office/powerpoint/2010/main" val="1173390575"/>
+                <p14:modId xmlns:p14="http://schemas.microsoft.com/office/powerpoint/2010/main" val="157718100"/>
               </p:ext>
             </p:extLst>
           </p:nvPr>
@@ -16453,7 +16930,7 @@
 </p:sld>
 </file>
 
-<file path=ppt/slides/slide3.xml><?xml version="1.0" encoding="utf-8"?>
+<file path=ppt/slides/slide4.xml><?xml version="1.0" encoding="utf-8"?>
 <p:sld xmlns:a="http://schemas.openxmlformats.org/drawingml/2006/main" xmlns:r="http://schemas.openxmlformats.org/officeDocument/2006/relationships" xmlns:p="http://schemas.openxmlformats.org/presentationml/2006/main">
   <p:cSld>
     <p:spTree>
@@ -16539,7 +17016,7 @@
           <a:p>
             <a:r>
               <a:rPr lang="en-US" altLang="zh-CN" dirty="0"/>
-              <a:t>Testing accuracy of the model</a:t>
+              <a:t>Calculating accuracy of the model</a:t>
             </a:r>
           </a:p>
           <a:p>
@@ -17539,7 +18016,7 @@
 </p:sld>
 </file>
 
-<file path=ppt/slides/slide4.xml><?xml version="1.0" encoding="utf-8"?>
+<file path=ppt/slides/slide5.xml><?xml version="1.0" encoding="utf-8"?>
 <p:sld xmlns:a="http://schemas.openxmlformats.org/drawingml/2006/main" xmlns:r="http://schemas.openxmlformats.org/officeDocument/2006/relationships" xmlns:p="http://schemas.openxmlformats.org/presentationml/2006/main">
   <p:cSld>
     <p:spTree>
@@ -17646,7 +18123,7 @@
 </p:sld>
 </file>
 
-<file path=ppt/slides/slide5.xml><?xml version="1.0" encoding="utf-8"?>
+<file path=ppt/slides/slide6.xml><?xml version="1.0" encoding="utf-8"?>
 <p:sld xmlns:a="http://schemas.openxmlformats.org/drawingml/2006/main" xmlns:r="http://schemas.openxmlformats.org/officeDocument/2006/relationships" xmlns:p="http://schemas.openxmlformats.org/presentationml/2006/main">
   <p:cSld>
     <p:bg>
@@ -18104,7 +18581,7 @@
 </p:sld>
 </file>
 
-<file path=ppt/slides/slide6.xml><?xml version="1.0" encoding="utf-8"?>
+<file path=ppt/slides/slide7.xml><?xml version="1.0" encoding="utf-8"?>
 <p:sld xmlns:a="http://schemas.openxmlformats.org/drawingml/2006/main" xmlns:r="http://schemas.openxmlformats.org/officeDocument/2006/relationships" xmlns:p="http://schemas.openxmlformats.org/presentationml/2006/main">
   <p:cSld>
     <p:spTree>
@@ -18258,7 +18735,7 @@
               <a:buNone/>
             </a:pPr>
             <a:r>
-              <a:rPr lang="en-US" altLang="zh-CN" dirty="0"/>
+              <a:rPr lang="en-US" altLang="zh-CN"/>
               <a:t>	https://github.com/001239511ShuangShuangXu/csye7200-spring2018-group9</a:t>
             </a:r>
             <a:endParaRPr lang="zh-CN" altLang="en-US" dirty="0"/>
@@ -18273,7 +18750,7 @@
 </p:sld>
 </file>
 
-<file path=ppt/slides/slide7.xml><?xml version="1.0" encoding="utf-8"?>
+<file path=ppt/slides/slide8.xml><?xml version="1.0" encoding="utf-8"?>
 <p:sld xmlns:a="http://schemas.openxmlformats.org/drawingml/2006/main" xmlns:r="http://schemas.openxmlformats.org/officeDocument/2006/relationships" xmlns:p="http://schemas.openxmlformats.org/presentationml/2006/main">
   <p:cSld>
     <p:spTree>
@@ -18401,425 +18878,6 @@
             <a:endParaRPr lang="zh-CN" altLang="en-US" dirty="0">
               <a:latin typeface="Tahoma" panose="020B0604030504040204" pitchFamily="34" charset="0"/>
               <a:cs typeface="Tahoma" panose="020B0604030504040204" pitchFamily="34" charset="0"/>
-            </a:endParaRPr>
-          </a:p>
-        </p:txBody>
-      </p:sp>
-    </p:spTree>
-  </p:cSld>
-  <p:clrMapOvr>
-    <a:masterClrMapping/>
-  </p:clrMapOvr>
-</p:sld>
-</file>
-
-<file path=ppt/slides/slide8.xml><?xml version="1.0" encoding="utf-8"?>
-<p:sld xmlns:a="http://schemas.openxmlformats.org/drawingml/2006/main" xmlns:r="http://schemas.openxmlformats.org/officeDocument/2006/relationships" xmlns:p="http://schemas.openxmlformats.org/presentationml/2006/main">
-  <p:cSld>
-    <p:bg>
-      <p:bgPr>
-        <a:solidFill>
-          <a:schemeClr val="bg1"/>
-        </a:solidFill>
-        <a:effectLst/>
-      </p:bgPr>
-    </p:bg>
-    <p:spTree>
-      <p:nvGrpSpPr>
-        <p:cNvPr id="1" name=""/>
-        <p:cNvGrpSpPr/>
-        <p:nvPr/>
-      </p:nvGrpSpPr>
-      <p:grpSpPr>
-        <a:xfrm>
-          <a:off x="0" y="0"/>
-          <a:ext cx="0" cy="0"/>
-          <a:chOff x="0" y="0"/>
-          <a:chExt cx="0" cy="0"/>
-        </a:xfrm>
-      </p:grpSpPr>
-      <p:grpSp>
-        <p:nvGrpSpPr>
-          <p:cNvPr id="30" name="Group 29">
-            <a:extLst>
-              <a:ext uri="{FF2B5EF4-FFF2-40B4-BE49-F238E27FC236}">
-                <a16:creationId xmlns:a16="http://schemas.microsoft.com/office/drawing/2014/main" id="{FFFE4BE0-D95E-44D8-B951-122D45F8610E}"/>
-              </a:ext>
-            </a:extLst>
-          </p:cNvPr>
-          <p:cNvGrpSpPr>
-            <a:grpSpLocks noGrp="1" noUngrp="1" noRot="1" noChangeAspect="1" noMove="1" noResize="1"/>
-          </p:cNvGrpSpPr>
-          <p:nvPr>
-            <p:extLst>
-              <p:ext uri="{386F3935-93C4-4BCD-93E2-E3B085C9AB24}">
-                <p16:designElem xmlns:p16="http://schemas.microsoft.com/office/powerpoint/2015/main" val="1"/>
-              </p:ext>
-            </p:extLst>
-          </p:nvPr>
-        </p:nvGrpSpPr>
-        <p:grpSpPr>
-          <a:xfrm>
-            <a:off x="0" y="0"/>
-            <a:ext cx="9144000" cy="6858000"/>
-            <a:chOff x="0" y="0"/>
-            <a:chExt cx="12192000" cy="6858000"/>
-          </a:xfrm>
-        </p:grpSpPr>
-        <p:sp>
-          <p:nvSpPr>
-            <p:cNvPr id="31" name="Rectangle 30">
-              <a:extLst>
-                <a:ext uri="{FF2B5EF4-FFF2-40B4-BE49-F238E27FC236}">
-                  <a16:creationId xmlns:a16="http://schemas.microsoft.com/office/drawing/2014/main" id="{6DFBE54E-A701-4039-AC57-CF06B37CC626}"/>
-                </a:ext>
-              </a:extLst>
-            </p:cNvPr>
-            <p:cNvSpPr/>
-            <p:nvPr>
-              <p:extLst>
-                <p:ext uri="{386F3935-93C4-4BCD-93E2-E3B085C9AB24}">
-                  <p16:designElem xmlns:p16="http://schemas.microsoft.com/office/powerpoint/2015/main" val="1"/>
-                </p:ext>
-              </p:extLst>
-            </p:nvPr>
-          </p:nvSpPr>
-          <p:spPr>
-            <a:xfrm>
-              <a:off x="0" y="0"/>
-              <a:ext cx="12192000" cy="6858000"/>
-            </a:xfrm>
-            <a:prstGeom prst="rect">
-              <a:avLst/>
-            </a:prstGeom>
-            <a:blipFill>
-              <a:blip r:embed="rId2">
-                <a:duotone>
-                  <a:schemeClr val="dk2">
-                    <a:shade val="69000"/>
-                    <a:hueMod val="91000"/>
-                    <a:satMod val="164000"/>
-                    <a:lumMod val="74000"/>
-                  </a:schemeClr>
-                  <a:schemeClr val="dk2">
-                    <a:hueMod val="124000"/>
-                    <a:satMod val="140000"/>
-                    <a:lumMod val="142000"/>
-                  </a:schemeClr>
-                </a:duotone>
-              </a:blip>
-              <a:stretch>
-                <a:fillRect/>
-              </a:stretch>
-            </a:blipFill>
-            <a:ln>
-              <a:noFill/>
-            </a:ln>
-          </p:spPr>
-          <p:style>
-            <a:lnRef idx="2">
-              <a:schemeClr val="accent1">
-                <a:shade val="50000"/>
-              </a:schemeClr>
-            </a:lnRef>
-            <a:fillRef idx="1">
-              <a:schemeClr val="accent1"/>
-            </a:fillRef>
-            <a:effectRef idx="0">
-              <a:schemeClr val="accent1"/>
-            </a:effectRef>
-            <a:fontRef idx="minor">
-              <a:schemeClr val="lt1"/>
-            </a:fontRef>
-          </p:style>
-        </p:sp>
-        <p:sp>
-          <p:nvSpPr>
-            <p:cNvPr id="32" name="Freeform 5">
-              <a:extLst>
-                <a:ext uri="{FF2B5EF4-FFF2-40B4-BE49-F238E27FC236}">
-                  <a16:creationId xmlns:a16="http://schemas.microsoft.com/office/drawing/2014/main" id="{D33A9890-FE1F-4F08-8EF4-FD2B43954605}"/>
-                </a:ext>
-              </a:extLst>
-            </p:cNvPr>
-            <p:cNvSpPr>
-              <a:spLocks noEditPoints="1"/>
-            </p:cNvSpPr>
-            <p:nvPr>
-              <p:extLst>
-                <p:ext uri="{386F3935-93C4-4BCD-93E2-E3B085C9AB24}">
-                  <p16:designElem xmlns:p16="http://schemas.microsoft.com/office/powerpoint/2015/main" val="1"/>
-                </p:ext>
-              </p:extLst>
-            </p:nvPr>
-          </p:nvSpPr>
-          <p:spPr bwMode="gray">
-            <a:xfrm>
-              <a:off x="0" y="1587"/>
-              <a:ext cx="12192000" cy="6856413"/>
-            </a:xfrm>
-            <a:custGeom>
-              <a:avLst/>
-              <a:gdLst/>
-              <a:ahLst/>
-              <a:cxnLst/>
-              <a:rect l="0" t="0" r="r" b="b"/>
-              <a:pathLst>
-                <a:path w="15356" h="8638">
-                  <a:moveTo>
-                    <a:pt x="0" y="0"/>
-                  </a:moveTo>
-                  <a:lnTo>
-                    <a:pt x="0" y="8638"/>
-                  </a:lnTo>
-                  <a:lnTo>
-                    <a:pt x="15356" y="8638"/>
-                  </a:lnTo>
-                  <a:lnTo>
-                    <a:pt x="15356" y="0"/>
-                  </a:lnTo>
-                  <a:lnTo>
-                    <a:pt x="0" y="0"/>
-                  </a:lnTo>
-                  <a:close/>
-                  <a:moveTo>
-                    <a:pt x="14748" y="8038"/>
-                  </a:moveTo>
-                  <a:lnTo>
-                    <a:pt x="600" y="8038"/>
-                  </a:lnTo>
-                  <a:lnTo>
-                    <a:pt x="600" y="592"/>
-                  </a:lnTo>
-                  <a:lnTo>
-                    <a:pt x="14748" y="592"/>
-                  </a:lnTo>
-                  <a:lnTo>
-                    <a:pt x="14748" y="8038"/>
-                  </a:lnTo>
-                  <a:close/>
-                </a:path>
-              </a:pathLst>
-            </a:custGeom>
-            <a:solidFill>
-              <a:schemeClr val="bg1"/>
-            </a:solidFill>
-            <a:ln>
-              <a:noFill/>
-            </a:ln>
-          </p:spPr>
-        </p:sp>
-      </p:grpSp>
-      <p:pic>
-        <p:nvPicPr>
-          <p:cNvPr id="25" name="Picture 4" descr="Image result for Goals of the project">
-            <a:hlinkClick r:id="rId3"/>
-            <a:extLst>
-              <a:ext uri="{FF2B5EF4-FFF2-40B4-BE49-F238E27FC236}">
-                <a16:creationId xmlns:a16="http://schemas.microsoft.com/office/drawing/2014/main" id="{7831853B-4A58-45CE-9290-4A4175E9A36E}"/>
-              </a:ext>
-            </a:extLst>
-          </p:cNvPr>
-          <p:cNvPicPr>
-            <a:picLocks noChangeAspect="1" noChangeArrowheads="1"/>
-          </p:cNvPicPr>
-          <p:nvPr/>
-        </p:nvPicPr>
-        <p:blipFill rotWithShape="1">
-          <a:blip r:embed="rId4">
-            <a:duotone>
-              <a:prstClr val="black"/>
-              <a:schemeClr val="accent5">
-                <a:tint val="45000"/>
-                <a:satMod val="400000"/>
-              </a:schemeClr>
-            </a:duotone>
-            <a:alphaModFix amt="25000"/>
-            <a:extLst>
-              <a:ext uri="{28A0092B-C50C-407E-A947-70E740481C1C}">
-                <a14:useLocalDpi xmlns:a14="http://schemas.microsoft.com/office/drawing/2010/main" val="0"/>
-              </a:ext>
-            </a:extLst>
-          </a:blip>
-          <a:srcRect t="2176" r="8744" b="2372"/>
-          <a:stretch/>
-        </p:blipFill>
-        <p:spPr bwMode="auto">
-          <a:xfrm>
-            <a:off x="355599" y="482600"/>
-            <a:ext cx="8432801" cy="5909733"/>
-          </a:xfrm>
-          <a:prstGeom prst="rect">
-            <a:avLst/>
-          </a:prstGeom>
-          <a:noFill/>
-          <a:extLst>
-            <a:ext uri="{909E8E84-426E-40DD-AFC4-6F175D3DCCD1}">
-              <a14:hiddenFill xmlns:a14="http://schemas.microsoft.com/office/drawing/2010/main">
-                <a:solidFill>
-                  <a:srgbClr val="FFFFFF"/>
-                </a:solidFill>
-              </a14:hiddenFill>
-            </a:ext>
-          </a:extLst>
-        </p:spPr>
-      </p:pic>
-      <p:sp>
-        <p:nvSpPr>
-          <p:cNvPr id="34" name="Rectangle 33">
-            <a:extLst>
-              <a:ext uri="{FF2B5EF4-FFF2-40B4-BE49-F238E27FC236}">
-                <a16:creationId xmlns:a16="http://schemas.microsoft.com/office/drawing/2014/main" id="{92515798-C8A3-40E7-A830-82681C81A0CD}"/>
-              </a:ext>
-            </a:extLst>
-          </p:cNvPr>
-          <p:cNvSpPr>
-            <a:spLocks noGrp="1" noRot="1" noChangeAspect="1" noMove="1" noResize="1" noEditPoints="1" noAdjustHandles="1" noChangeArrowheads="1" noChangeShapeType="1" noTextEdit="1"/>
-          </p:cNvSpPr>
-          <p:nvPr>
-            <p:extLst>
-              <p:ext uri="{386F3935-93C4-4BCD-93E2-E3B085C9AB24}">
-                <p16:designElem xmlns:p16="http://schemas.microsoft.com/office/powerpoint/2015/main" val="1"/>
-              </p:ext>
-            </p:extLst>
-          </p:nvPr>
-        </p:nvSpPr>
-        <p:spPr>
-          <a:xfrm>
-            <a:off x="7828359" y="0"/>
-            <a:ext cx="514350" cy="1143000"/>
-          </a:xfrm>
-          <a:prstGeom prst="rect">
-            <a:avLst/>
-          </a:prstGeom>
-          <a:solidFill>
-            <a:schemeClr val="accent1"/>
-          </a:solidFill>
-          <a:ln>
-            <a:noFill/>
-          </a:ln>
-        </p:spPr>
-        <p:style>
-          <a:lnRef idx="1">
-            <a:schemeClr val="accent1"/>
-          </a:lnRef>
-          <a:fillRef idx="3">
-            <a:schemeClr val="accent1"/>
-          </a:fillRef>
-          <a:effectRef idx="2">
-            <a:schemeClr val="accent1"/>
-          </a:effectRef>
-          <a:fontRef idx="minor">
-            <a:schemeClr val="lt1"/>
-          </a:fontRef>
-        </p:style>
-      </p:sp>
-      <p:sp>
-        <p:nvSpPr>
-          <p:cNvPr id="2" name="标题 1"/>
-          <p:cNvSpPr>
-            <a:spLocks noGrp="1"/>
-          </p:cNvSpPr>
-          <p:nvPr>
-            <p:ph type="title"/>
-          </p:nvPr>
-        </p:nvSpPr>
-        <p:spPr>
-          <a:xfrm>
-            <a:off x="866215" y="973668"/>
-            <a:ext cx="6571060" cy="706964"/>
-          </a:xfrm>
-        </p:spPr>
-        <p:txBody>
-          <a:bodyPr>
-            <a:normAutofit/>
-          </a:bodyPr>
-          <a:lstStyle/>
-          <a:p>
-            <a:r>
-              <a:rPr lang="en-US" altLang="zh-CN"/>
-              <a:t>Goals of the project</a:t>
-            </a:r>
-            <a:endParaRPr lang="zh-CN" altLang="en-US"/>
-          </a:p>
-        </p:txBody>
-      </p:sp>
-      <p:sp>
-        <p:nvSpPr>
-          <p:cNvPr id="3" name="内容占位符 2"/>
-          <p:cNvSpPr>
-            <a:spLocks noGrp="1"/>
-          </p:cNvSpPr>
-          <p:nvPr>
-            <p:ph idx="1"/>
-          </p:nvPr>
-        </p:nvSpPr>
-        <p:spPr>
-          <a:xfrm>
-            <a:off x="866215" y="1820333"/>
-            <a:ext cx="7476494" cy="2976819"/>
-          </a:xfrm>
-        </p:spPr>
-        <p:txBody>
-          <a:bodyPr anchor="ctr">
-            <a:normAutofit/>
-          </a:bodyPr>
-          <a:lstStyle/>
-          <a:p>
-            <a:pPr algn="just"/>
-            <a:r>
-              <a:rPr lang="en-US" dirty="0">
-                <a:solidFill>
-                  <a:schemeClr val="bg1"/>
-                </a:solidFill>
-              </a:rPr>
-              <a:t>To predict the weather condition of London city.</a:t>
-            </a:r>
-          </a:p>
-          <a:p>
-            <a:pPr algn="just"/>
-            <a:r>
-              <a:rPr lang="en-US" dirty="0">
-                <a:solidFill>
-                  <a:schemeClr val="bg1"/>
-                </a:solidFill>
-              </a:rPr>
-              <a:t>To develop Apache - Spark Scala code to clean, train, model the data.</a:t>
-            </a:r>
-          </a:p>
-          <a:p>
-            <a:pPr algn="just"/>
-            <a:r>
-              <a:rPr lang="en-US" dirty="0">
-                <a:solidFill>
-                  <a:schemeClr val="bg1"/>
-                </a:solidFill>
-              </a:rPr>
-              <a:t>To use Apache - Spark Scala </a:t>
-            </a:r>
-            <a:r>
-              <a:rPr lang="en-US" dirty="0" err="1">
-                <a:solidFill>
-                  <a:schemeClr val="bg1"/>
-                </a:solidFill>
-              </a:rPr>
-              <a:t>MLib</a:t>
-            </a:r>
-            <a:r>
-              <a:rPr lang="en-US" dirty="0">
-                <a:solidFill>
-                  <a:schemeClr val="bg1"/>
-                </a:solidFill>
-              </a:rPr>
-              <a:t>(Machine Learning Library) to predict the weather.</a:t>
-            </a:r>
-          </a:p>
-          <a:p>
-            <a:pPr algn="just"/>
-            <a:endParaRPr lang="zh-CN" altLang="en-US" dirty="0">
-              <a:solidFill>
-                <a:schemeClr val="bg1"/>
-              </a:solidFill>
             </a:endParaRPr>
           </a:p>
         </p:txBody>

--- a/Presentation/Planning_Presentation _Team 9.pptx
+++ b/Presentation/Planning_Presentation _Team 9.pptx
@@ -3160,7 +3160,7 @@
             </a:ln>
             <a:extLst>
               <a:ext uri="{91240B29-F687-4f45-9708-019B960494DF}">
-                <a14:hiddenLine xmlns:a14="http://schemas.microsoft.com/office/drawing/2010/main" xmlns="" w="9525">
+                <a14:hiddenLine xmlns="" xmlns:a14="http://schemas.microsoft.com/office/drawing/2010/main" w="9525">
                   <a:solidFill>
                     <a:srgbClr val="000000"/>
                   </a:solidFill>
@@ -4243,7 +4243,7 @@
             </a:ln>
             <a:extLst>
               <a:ext uri="{91240B29-F687-4f45-9708-019B960494DF}">
-                <a14:hiddenLine xmlns:a14="http://schemas.microsoft.com/office/drawing/2010/main" xmlns="" w="9525">
+                <a14:hiddenLine xmlns="" xmlns:a14="http://schemas.microsoft.com/office/drawing/2010/main" w="9525">
                   <a:solidFill>
                     <a:srgbClr val="000000"/>
                   </a:solidFill>
@@ -5331,7 +5331,7 @@
             </a:ln>
             <a:extLst>
               <a:ext uri="{91240B29-F687-4f45-9708-019B960494DF}">
-                <a14:hiddenLine xmlns:a14="http://schemas.microsoft.com/office/drawing/2010/main" xmlns="" w="9525">
+                <a14:hiddenLine xmlns="" xmlns:a14="http://schemas.microsoft.com/office/drawing/2010/main" w="9525">
                   <a:solidFill>
                     <a:srgbClr val="000000"/>
                   </a:solidFill>
@@ -6294,7 +6294,7 @@
             </a:ln>
             <a:extLst>
               <a:ext uri="{91240B29-F687-4f45-9708-019B960494DF}">
-                <a14:hiddenLine xmlns:a14="http://schemas.microsoft.com/office/drawing/2010/main" xmlns="" w="9525">
+                <a14:hiddenLine xmlns="" xmlns:a14="http://schemas.microsoft.com/office/drawing/2010/main" w="9525">
                   <a:solidFill>
                     <a:srgbClr val="000000"/>
                   </a:solidFill>
@@ -7411,7 +7411,7 @@
             </a:ln>
             <a:extLst>
               <a:ext uri="{91240B29-F687-4f45-9708-019B960494DF}">
-                <a14:hiddenLine xmlns:a14="http://schemas.microsoft.com/office/drawing/2010/main" xmlns="" w="9525">
+                <a14:hiddenLine xmlns="" xmlns:a14="http://schemas.microsoft.com/office/drawing/2010/main" w="9525">
                   <a:solidFill>
                     <a:srgbClr val="000000"/>
                   </a:solidFill>
@@ -10168,7 +10168,7 @@
           </a:ln>
           <a:extLst>
             <a:ext uri="{91240B29-F687-4f45-9708-019B960494DF}">
-              <a14:hiddenLine xmlns:a14="http://schemas.microsoft.com/office/drawing/2010/main" xmlns="" w="9525">
+              <a14:hiddenLine xmlns="" xmlns:a14="http://schemas.microsoft.com/office/drawing/2010/main" w="9525">
                 <a:solidFill>
                   <a:srgbClr val="000000"/>
                 </a:solidFill>
@@ -11347,7 +11347,7 @@
             </a:ln>
             <a:extLst>
               <a:ext uri="{91240B29-F687-4f45-9708-019B960494DF}">
-                <a14:hiddenLine xmlns:a14="http://schemas.microsoft.com/office/drawing/2010/main" xmlns="" w="9525">
+                <a14:hiddenLine xmlns="" xmlns:a14="http://schemas.microsoft.com/office/drawing/2010/main" w="9525">
                   <a:solidFill>
                     <a:srgbClr val="000000"/>
                   </a:solidFill>
@@ -13325,7 +13325,7 @@
             </a:ln>
             <a:extLst>
               <a:ext uri="{91240B29-F687-4f45-9708-019B960494DF}">
-                <a14:hiddenLine xmlns:a14="http://schemas.microsoft.com/office/drawing/2010/main" xmlns="" w="9525">
+                <a14:hiddenLine xmlns="" xmlns:a14="http://schemas.microsoft.com/office/drawing/2010/main" w="9525">
                   <a:solidFill>
                     <a:srgbClr val="000000"/>
                   </a:solidFill>
@@ -14385,7 +14385,7 @@
             </a:ln>
             <a:extLst>
               <a:ext uri="{91240B29-F687-4f45-9708-019B960494DF}">
-                <a14:hiddenLine xmlns:a14="http://schemas.microsoft.com/office/drawing/2010/main" xmlns="" w="9525">
+                <a14:hiddenLine xmlns="" xmlns:a14="http://schemas.microsoft.com/office/drawing/2010/main" w="9525">
                   <a:solidFill>
                     <a:srgbClr val="000000"/>
                   </a:solidFill>
@@ -15437,7 +15437,7 @@
             </a:ln>
             <a:extLst>
               <a:ext uri="{91240B29-F687-4f45-9708-019B960494DF}">
-                <a14:hiddenLine xmlns:a14="http://schemas.microsoft.com/office/drawing/2010/main" xmlns="" w="9525">
+                <a14:hiddenLine xmlns="" xmlns:a14="http://schemas.microsoft.com/office/drawing/2010/main" w="9525">
                   <a:solidFill>
                     <a:srgbClr val="000000"/>
                   </a:solidFill>

--- a/Presentation/Planning_Presentation _Team 9.pptx
+++ b/Presentation/Planning_Presentation _Team 9.pptx
@@ -3160,7 +3160,7 @@
             </a:ln>
             <a:extLst>
               <a:ext uri="{91240B29-F687-4f45-9708-019B960494DF}">
-                <a14:hiddenLine xmlns="" xmlns:a14="http://schemas.microsoft.com/office/drawing/2010/main" w="9525">
+                <a14:hiddenLine xmlns:a14="http://schemas.microsoft.com/office/drawing/2010/main" xmlns="" w="9525">
                   <a:solidFill>
                     <a:srgbClr val="000000"/>
                   </a:solidFill>
@@ -4243,7 +4243,7 @@
             </a:ln>
             <a:extLst>
               <a:ext uri="{91240B29-F687-4f45-9708-019B960494DF}">
-                <a14:hiddenLine xmlns="" xmlns:a14="http://schemas.microsoft.com/office/drawing/2010/main" w="9525">
+                <a14:hiddenLine xmlns:a14="http://schemas.microsoft.com/office/drawing/2010/main" xmlns="" w="9525">
                   <a:solidFill>
                     <a:srgbClr val="000000"/>
                   </a:solidFill>
@@ -5331,7 +5331,7 @@
             </a:ln>
             <a:extLst>
               <a:ext uri="{91240B29-F687-4f45-9708-019B960494DF}">
-                <a14:hiddenLine xmlns="" xmlns:a14="http://schemas.microsoft.com/office/drawing/2010/main" w="9525">
+                <a14:hiddenLine xmlns:a14="http://schemas.microsoft.com/office/drawing/2010/main" xmlns="" w="9525">
                   <a:solidFill>
                     <a:srgbClr val="000000"/>
                   </a:solidFill>
@@ -6294,7 +6294,7 @@
             </a:ln>
             <a:extLst>
               <a:ext uri="{91240B29-F687-4f45-9708-019B960494DF}">
-                <a14:hiddenLine xmlns="" xmlns:a14="http://schemas.microsoft.com/office/drawing/2010/main" w="9525">
+                <a14:hiddenLine xmlns:a14="http://schemas.microsoft.com/office/drawing/2010/main" xmlns="" w="9525">
                   <a:solidFill>
                     <a:srgbClr val="000000"/>
                   </a:solidFill>
@@ -7411,7 +7411,7 @@
             </a:ln>
             <a:extLst>
               <a:ext uri="{91240B29-F687-4f45-9708-019B960494DF}">
-                <a14:hiddenLine xmlns="" xmlns:a14="http://schemas.microsoft.com/office/drawing/2010/main" w="9525">
+                <a14:hiddenLine xmlns:a14="http://schemas.microsoft.com/office/drawing/2010/main" xmlns="" w="9525">
                   <a:solidFill>
                     <a:srgbClr val="000000"/>
                   </a:solidFill>
@@ -10168,7 +10168,7 @@
           </a:ln>
           <a:extLst>
             <a:ext uri="{91240B29-F687-4f45-9708-019B960494DF}">
-              <a14:hiddenLine xmlns="" xmlns:a14="http://schemas.microsoft.com/office/drawing/2010/main" w="9525">
+              <a14:hiddenLine xmlns:a14="http://schemas.microsoft.com/office/drawing/2010/main" xmlns="" w="9525">
                 <a:solidFill>
                   <a:srgbClr val="000000"/>
                 </a:solidFill>
@@ -11347,7 +11347,7 @@
             </a:ln>
             <a:extLst>
               <a:ext uri="{91240B29-F687-4f45-9708-019B960494DF}">
-                <a14:hiddenLine xmlns="" xmlns:a14="http://schemas.microsoft.com/office/drawing/2010/main" w="9525">
+                <a14:hiddenLine xmlns:a14="http://schemas.microsoft.com/office/drawing/2010/main" xmlns="" w="9525">
                   <a:solidFill>
                     <a:srgbClr val="000000"/>
                   </a:solidFill>
@@ -13325,7 +13325,7 @@
             </a:ln>
             <a:extLst>
               <a:ext uri="{91240B29-F687-4f45-9708-019B960494DF}">
-                <a14:hiddenLine xmlns="" xmlns:a14="http://schemas.microsoft.com/office/drawing/2010/main" w="9525">
+                <a14:hiddenLine xmlns:a14="http://schemas.microsoft.com/office/drawing/2010/main" xmlns="" w="9525">
                   <a:solidFill>
                     <a:srgbClr val="000000"/>
                   </a:solidFill>
@@ -14385,7 +14385,7 @@
             </a:ln>
             <a:extLst>
               <a:ext uri="{91240B29-F687-4f45-9708-019B960494DF}">
-                <a14:hiddenLine xmlns="" xmlns:a14="http://schemas.microsoft.com/office/drawing/2010/main" w="9525">
+                <a14:hiddenLine xmlns:a14="http://schemas.microsoft.com/office/drawing/2010/main" xmlns="" w="9525">
                   <a:solidFill>
                     <a:srgbClr val="000000"/>
                   </a:solidFill>
@@ -15437,7 +15437,7 @@
             </a:ln>
             <a:extLst>
               <a:ext uri="{91240B29-F687-4f45-9708-019B960494DF}">
-                <a14:hiddenLine xmlns="" xmlns:a14="http://schemas.microsoft.com/office/drawing/2010/main" w="9525">
+                <a14:hiddenLine xmlns:a14="http://schemas.microsoft.com/office/drawing/2010/main" xmlns="" w="9525">
                   <a:solidFill>
                     <a:srgbClr val="000000"/>
                   </a:solidFill>
@@ -16164,7 +16164,7 @@
                 <a:latin typeface="Times New Roman" panose="02020603050405020304" pitchFamily="18" charset="0"/>
                 <a:cs typeface="Times New Roman" panose="02020603050405020304" pitchFamily="18" charset="0"/>
               </a:rPr>
-              <a:t>London Weather Prediction with Apache Spark</a:t>
+              <a:t>London Weather Prediction Using Apache Spark</a:t>
             </a:r>
             <a:endParaRPr lang="zh-CN" altLang="en-US" sz="4300" dirty="0">
               <a:latin typeface="Times New Roman" panose="02020603050405020304" pitchFamily="18" charset="0"/>

--- a/Presentation/Planning_Presentation _Team 9.pptx
+++ b/Presentation/Planning_Presentation _Team 9.pptx
@@ -3160,7 +3160,7 @@
             </a:ln>
             <a:extLst>
               <a:ext uri="{91240B29-F687-4f45-9708-019B960494DF}">
-                <a14:hiddenLine xmlns:a14="http://schemas.microsoft.com/office/drawing/2010/main" xmlns="" w="9525">
+                <a14:hiddenLine xmlns="" xmlns:a14="http://schemas.microsoft.com/office/drawing/2010/main" w="9525">
                   <a:solidFill>
                     <a:srgbClr val="000000"/>
                   </a:solidFill>
@@ -4243,7 +4243,7 @@
             </a:ln>
             <a:extLst>
               <a:ext uri="{91240B29-F687-4f45-9708-019B960494DF}">
-                <a14:hiddenLine xmlns:a14="http://schemas.microsoft.com/office/drawing/2010/main" xmlns="" w="9525">
+                <a14:hiddenLine xmlns="" xmlns:a14="http://schemas.microsoft.com/office/drawing/2010/main" w="9525">
                   <a:solidFill>
                     <a:srgbClr val="000000"/>
                   </a:solidFill>
@@ -5331,7 +5331,7 @@
             </a:ln>
             <a:extLst>
               <a:ext uri="{91240B29-F687-4f45-9708-019B960494DF}">
-                <a14:hiddenLine xmlns:a14="http://schemas.microsoft.com/office/drawing/2010/main" xmlns="" w="9525">
+                <a14:hiddenLine xmlns="" xmlns:a14="http://schemas.microsoft.com/office/drawing/2010/main" w="9525">
                   <a:solidFill>
                     <a:srgbClr val="000000"/>
                   </a:solidFill>
@@ -6294,7 +6294,7 @@
             </a:ln>
             <a:extLst>
               <a:ext uri="{91240B29-F687-4f45-9708-019B960494DF}">
-                <a14:hiddenLine xmlns:a14="http://schemas.microsoft.com/office/drawing/2010/main" xmlns="" w="9525">
+                <a14:hiddenLine xmlns="" xmlns:a14="http://schemas.microsoft.com/office/drawing/2010/main" w="9525">
                   <a:solidFill>
                     <a:srgbClr val="000000"/>
                   </a:solidFill>
@@ -7411,7 +7411,7 @@
             </a:ln>
             <a:extLst>
               <a:ext uri="{91240B29-F687-4f45-9708-019B960494DF}">
-                <a14:hiddenLine xmlns:a14="http://schemas.microsoft.com/office/drawing/2010/main" xmlns="" w="9525">
+                <a14:hiddenLine xmlns="" xmlns:a14="http://schemas.microsoft.com/office/drawing/2010/main" w="9525">
                   <a:solidFill>
                     <a:srgbClr val="000000"/>
                   </a:solidFill>
@@ -10168,7 +10168,7 @@
           </a:ln>
           <a:extLst>
             <a:ext uri="{91240B29-F687-4f45-9708-019B960494DF}">
-              <a14:hiddenLine xmlns:a14="http://schemas.microsoft.com/office/drawing/2010/main" xmlns="" w="9525">
+              <a14:hiddenLine xmlns="" xmlns:a14="http://schemas.microsoft.com/office/drawing/2010/main" w="9525">
                 <a:solidFill>
                   <a:srgbClr val="000000"/>
                 </a:solidFill>
@@ -11347,7 +11347,7 @@
             </a:ln>
             <a:extLst>
               <a:ext uri="{91240B29-F687-4f45-9708-019B960494DF}">
-                <a14:hiddenLine xmlns:a14="http://schemas.microsoft.com/office/drawing/2010/main" xmlns="" w="9525">
+                <a14:hiddenLine xmlns="" xmlns:a14="http://schemas.microsoft.com/office/drawing/2010/main" w="9525">
                   <a:solidFill>
                     <a:srgbClr val="000000"/>
                   </a:solidFill>
@@ -13325,7 +13325,7 @@
             </a:ln>
             <a:extLst>
               <a:ext uri="{91240B29-F687-4f45-9708-019B960494DF}">
-                <a14:hiddenLine xmlns:a14="http://schemas.microsoft.com/office/drawing/2010/main" xmlns="" w="9525">
+                <a14:hiddenLine xmlns="" xmlns:a14="http://schemas.microsoft.com/office/drawing/2010/main" w="9525">
                   <a:solidFill>
                     <a:srgbClr val="000000"/>
                   </a:solidFill>
@@ -14385,7 +14385,7 @@
             </a:ln>
             <a:extLst>
               <a:ext uri="{91240B29-F687-4f45-9708-019B960494DF}">
-                <a14:hiddenLine xmlns:a14="http://schemas.microsoft.com/office/drawing/2010/main" xmlns="" w="9525">
+                <a14:hiddenLine xmlns="" xmlns:a14="http://schemas.microsoft.com/office/drawing/2010/main" w="9525">
                   <a:solidFill>
                     <a:srgbClr val="000000"/>
                   </a:solidFill>
@@ -15437,7 +15437,7 @@
             </a:ln>
             <a:extLst>
               <a:ext uri="{91240B29-F687-4f45-9708-019B960494DF}">
-                <a14:hiddenLine xmlns:a14="http://schemas.microsoft.com/office/drawing/2010/main" xmlns="" w="9525">
+                <a14:hiddenLine xmlns="" xmlns:a14="http://schemas.microsoft.com/office/drawing/2010/main" w="9525">
                   <a:solidFill>
                     <a:srgbClr val="000000"/>
                   </a:solidFill>
@@ -16770,7 +16770,7 @@
         </p:spPr>
         <p:txBody>
           <a:bodyPr anchor="ctr">
-            <a:normAutofit/>
+            <a:normAutofit lnSpcReduction="10000"/>
           </a:bodyPr>
           <a:lstStyle/>
           <a:p>
@@ -16831,6 +16831,36 @@
                 </a:solidFill>
               </a:rPr>
               <a:t>We will be implementing the UI using play framework.</a:t>
+            </a:r>
+          </a:p>
+          <a:p>
+            <a:pPr algn="just"/>
+            <a:r>
+              <a:rPr lang="en-US" dirty="0">
+                <a:solidFill>
+                  <a:schemeClr val="bg1"/>
+                </a:solidFill>
+              </a:rPr>
+              <a:t>C</a:t>
+            </a:r>
+            <a:r>
+              <a:rPr lang="en-US" altLang="zh-CN" dirty="0">
+                <a:solidFill>
+                  <a:schemeClr val="bg1"/>
+                </a:solidFill>
+              </a:rPr>
+              <a:t>ollaborative learning and knowledge sharing.</a:t>
+            </a:r>
+          </a:p>
+          <a:p>
+            <a:pPr algn="just"/>
+            <a:r>
+              <a:rPr lang="en-US" dirty="0">
+                <a:solidFill>
+                  <a:schemeClr val="bg1"/>
+                </a:solidFill>
+              </a:rPr>
+              <a:t>Delivering each milestone on time</a:t>
             </a:r>
           </a:p>
           <a:p>

--- a/Presentation/Planning_Presentation _Team 9.pptx
+++ b/Presentation/Planning_Presentation _Team 9.pptx
@@ -946,14 +946,6 @@
         <a:bodyPr/>
         <a:lstStyle/>
         <a:p>
-          <a:r>
-            <a:rPr lang="en-US" altLang="zh-CN" sz="2200" dirty="0"/>
-            <a:t> </a:t>
-          </a:r>
-          <a:r>
-            <a:rPr lang="en-US" altLang="zh-CN" sz="1800" dirty="0"/>
-            <a:t>Date, Temperature, Humidity, Dewpoint, Pressure,  Wind</a:t>
-          </a:r>
           <a:endParaRPr lang="zh-CN" altLang="en-US" sz="1800" dirty="0"/>
         </a:p>
       </dgm:t>
@@ -1078,10 +1070,24 @@
     <dgm:pt modelId="{983A1AB0-3779-4631-8FD4-4A53612372F4}" type="parTrans" cxnId="{FC55BAEA-EB79-4025-AC43-832E7F0C46A7}">
       <dgm:prSet/>
       <dgm:spPr/>
+      <dgm:t>
+        <a:bodyPr/>
+        <a:lstStyle/>
+        <a:p>
+          <a:endParaRPr lang="zh-CN" altLang="en-US"/>
+        </a:p>
+      </dgm:t>
     </dgm:pt>
     <dgm:pt modelId="{BCDB9BA3-B322-4535-A3C1-63AB5F257053}" type="sibTrans" cxnId="{FC55BAEA-EB79-4025-AC43-832E7F0C46A7}">
       <dgm:prSet/>
       <dgm:spPr/>
+      <dgm:t>
+        <a:bodyPr/>
+        <a:lstStyle/>
+        <a:p>
+          <a:endParaRPr lang="zh-CN" altLang="en-US"/>
+        </a:p>
+      </dgm:t>
     </dgm:pt>
     <dgm:pt modelId="{2AC59203-4063-4A5C-9FA4-9821B9904690}">
       <dgm:prSet phldrT="[文本]" custT="1"/>
@@ -1101,10 +1107,24 @@
     <dgm:pt modelId="{D9496476-EEBA-4F56-9C92-04F1621A1559}" type="parTrans" cxnId="{8C6C5C7C-8D18-4BE2-85A1-14219787D590}">
       <dgm:prSet/>
       <dgm:spPr/>
+      <dgm:t>
+        <a:bodyPr/>
+        <a:lstStyle/>
+        <a:p>
+          <a:endParaRPr lang="zh-CN" altLang="en-US"/>
+        </a:p>
+      </dgm:t>
     </dgm:pt>
     <dgm:pt modelId="{8681B841-0FC5-43CA-847E-B415A82B6CC8}" type="sibTrans" cxnId="{8C6C5C7C-8D18-4BE2-85A1-14219787D590}">
       <dgm:prSet/>
       <dgm:spPr/>
+      <dgm:t>
+        <a:bodyPr/>
+        <a:lstStyle/>
+        <a:p>
+          <a:endParaRPr lang="zh-CN" altLang="en-US"/>
+        </a:p>
+      </dgm:t>
     </dgm:pt>
     <dgm:pt modelId="{1AD3AAE8-DDC2-4F88-8F7F-079C61E4E86F}" type="pres">
       <dgm:prSet presAssocID="{9399F885-EF11-4CB8-8AC6-321E875C3DB7}" presName="linear" presStyleCnt="0">
@@ -1303,12 +1323,12 @@
         <a:fontRef idx="minor"/>
       </dsp:style>
       <dsp:txBody>
-        <a:bodyPr spcFirstLastPara="0" vert="horz" wrap="square" lIns="201512" tIns="27940" rIns="156464" bIns="27940" numCol="1" spcCol="1270" anchor="t" anchorCtr="0">
+        <a:bodyPr spcFirstLastPara="0" vert="horz" wrap="square" lIns="201512" tIns="22860" rIns="128016" bIns="22860" numCol="1" spcCol="1270" anchor="t" anchorCtr="0">
           <a:noAutofit/>
         </a:bodyPr>
         <a:lstStyle/>
         <a:p>
-          <a:pPr marL="228600" lvl="1" indent="-228600" algn="l" defTabSz="977900">
+          <a:pPr marL="171450" lvl="1" indent="-171450" algn="l" defTabSz="800100">
             <a:lnSpc>
               <a:spcPct val="90000"/>
             </a:lnSpc>
@@ -1320,14 +1340,6 @@
             </a:spcAft>
             <a:buChar char="•"/>
           </a:pPr>
-          <a:r>
-            <a:rPr lang="en-US" altLang="zh-CN" sz="2200" kern="1200" dirty="0"/>
-            <a:t> </a:t>
-          </a:r>
-          <a:r>
-            <a:rPr lang="en-US" altLang="zh-CN" sz="1800" kern="1200" dirty="0"/>
-            <a:t>Date, Temperature, Humidity, Dewpoint, Pressure,  Wind</a:t>
-          </a:r>
           <a:endParaRPr lang="zh-CN" altLang="en-US" sz="1800" kern="1200" dirty="0"/>
         </a:p>
         <a:p>
@@ -3160,7 +3172,7 @@
             </a:ln>
             <a:extLst>
               <a:ext uri="{91240B29-F687-4f45-9708-019B960494DF}">
-                <a14:hiddenLine xmlns="" xmlns:a14="http://schemas.microsoft.com/office/drawing/2010/main" w="9525">
+                <a14:hiddenLine xmlns:a14="http://schemas.microsoft.com/office/drawing/2010/main" xmlns="" w="9525">
                   <a:solidFill>
                     <a:srgbClr val="000000"/>
                   </a:solidFill>
@@ -3358,7 +3370,7 @@
             <a:fld id="{530820CF-B880-4189-942D-D702A7CBA730}" type="datetimeFigureOut">
               <a:rPr lang="zh-CN" altLang="en-US" smtClean="0"/>
               <a:pPr/>
-              <a:t>2018/3/15</a:t>
+              <a:t>2018/3/22</a:t>
             </a:fld>
             <a:endParaRPr lang="zh-CN" altLang="en-US"/>
           </a:p>
@@ -4243,7 +4255,7 @@
             </a:ln>
             <a:extLst>
               <a:ext uri="{91240B29-F687-4f45-9708-019B960494DF}">
-                <a14:hiddenLine xmlns="" xmlns:a14="http://schemas.microsoft.com/office/drawing/2010/main" w="9525">
+                <a14:hiddenLine xmlns:a14="http://schemas.microsoft.com/office/drawing/2010/main" xmlns="" w="9525">
                   <a:solidFill>
                     <a:srgbClr val="000000"/>
                   </a:solidFill>
@@ -4461,7 +4473,7 @@
             <a:fld id="{530820CF-B880-4189-942D-D702A7CBA730}" type="datetimeFigureOut">
               <a:rPr lang="zh-CN" altLang="en-US" smtClean="0"/>
               <a:pPr/>
-              <a:t>2018/3/15</a:t>
+              <a:t>2018/3/22</a:t>
             </a:fld>
             <a:endParaRPr lang="zh-CN" altLang="en-US"/>
           </a:p>
@@ -5331,7 +5343,7 @@
             </a:ln>
             <a:extLst>
               <a:ext uri="{91240B29-F687-4f45-9708-019B960494DF}">
-                <a14:hiddenLine xmlns="" xmlns:a14="http://schemas.microsoft.com/office/drawing/2010/main" w="9525">
+                <a14:hiddenLine xmlns:a14="http://schemas.microsoft.com/office/drawing/2010/main" xmlns="" w="9525">
                   <a:solidFill>
                     <a:srgbClr val="000000"/>
                   </a:solidFill>
@@ -5461,7 +5473,7 @@
             <a:fld id="{530820CF-B880-4189-942D-D702A7CBA730}" type="datetimeFigureOut">
               <a:rPr lang="zh-CN" altLang="en-US" smtClean="0"/>
               <a:pPr/>
-              <a:t>2018/3/15</a:t>
+              <a:t>2018/3/22</a:t>
             </a:fld>
             <a:endParaRPr lang="zh-CN" altLang="en-US"/>
           </a:p>
@@ -6294,7 +6306,7 @@
             </a:ln>
             <a:extLst>
               <a:ext uri="{91240B29-F687-4f45-9708-019B960494DF}">
-                <a14:hiddenLine xmlns="" xmlns:a14="http://schemas.microsoft.com/office/drawing/2010/main" w="9525">
+                <a14:hiddenLine xmlns:a14="http://schemas.microsoft.com/office/drawing/2010/main" xmlns="" w="9525">
                   <a:solidFill>
                     <a:srgbClr val="000000"/>
                   </a:solidFill>
@@ -6578,7 +6590,7 @@
             <a:fld id="{530820CF-B880-4189-942D-D702A7CBA730}" type="datetimeFigureOut">
               <a:rPr lang="zh-CN" altLang="en-US" smtClean="0"/>
               <a:pPr/>
-              <a:t>2018/3/15</a:t>
+              <a:t>2018/3/22</a:t>
             </a:fld>
             <a:endParaRPr lang="zh-CN" altLang="en-US"/>
           </a:p>
@@ -7411,7 +7423,7 @@
             </a:ln>
             <a:extLst>
               <a:ext uri="{91240B29-F687-4f45-9708-019B960494DF}">
-                <a14:hiddenLine xmlns="" xmlns:a14="http://schemas.microsoft.com/office/drawing/2010/main" w="9525">
+                <a14:hiddenLine xmlns:a14="http://schemas.microsoft.com/office/drawing/2010/main" xmlns="" w="9525">
                   <a:solidFill>
                     <a:srgbClr val="000000"/>
                   </a:solidFill>
@@ -7594,7 +7606,7 @@
             <a:fld id="{530820CF-B880-4189-942D-D702A7CBA730}" type="datetimeFigureOut">
               <a:rPr lang="zh-CN" altLang="en-US" smtClean="0"/>
               <a:pPr/>
-              <a:t>2018/3/15</a:t>
+              <a:t>2018/3/22</a:t>
             </a:fld>
             <a:endParaRPr lang="zh-CN" altLang="en-US"/>
           </a:p>
@@ -8268,7 +8280,7 @@
             <a:fld id="{530820CF-B880-4189-942D-D702A7CBA730}" type="datetimeFigureOut">
               <a:rPr lang="zh-CN" altLang="en-US" smtClean="0"/>
               <a:pPr/>
-              <a:t>2018/3/15</a:t>
+              <a:t>2018/3/22</a:t>
             </a:fld>
             <a:endParaRPr lang="zh-CN" altLang="en-US"/>
           </a:p>
@@ -9143,7 +9155,7 @@
             <a:fld id="{530820CF-B880-4189-942D-D702A7CBA730}" type="datetimeFigureOut">
               <a:rPr lang="zh-CN" altLang="en-US" smtClean="0"/>
               <a:pPr/>
-              <a:t>2018/3/15</a:t>
+              <a:t>2018/3/22</a:t>
             </a:fld>
             <a:endParaRPr lang="zh-CN" altLang="en-US"/>
           </a:p>
@@ -9332,7 +9344,7 @@
             <a:fld id="{530820CF-B880-4189-942D-D702A7CBA730}" type="datetimeFigureOut">
               <a:rPr lang="zh-CN" altLang="en-US" smtClean="0"/>
               <a:pPr/>
-              <a:t>2018/3/15</a:t>
+              <a:t>2018/3/22</a:t>
             </a:fld>
             <a:endParaRPr lang="zh-CN" altLang="en-US"/>
           </a:p>
@@ -10168,7 +10180,7 @@
           </a:ln>
           <a:extLst>
             <a:ext uri="{91240B29-F687-4f45-9708-019B960494DF}">
-              <a14:hiddenLine xmlns="" xmlns:a14="http://schemas.microsoft.com/office/drawing/2010/main" w="9525">
+              <a14:hiddenLine xmlns:a14="http://schemas.microsoft.com/office/drawing/2010/main" xmlns="" w="9525">
                 <a:solidFill>
                   <a:srgbClr val="000000"/>
                 </a:solidFill>
@@ -10283,7 +10295,7 @@
             <a:fld id="{530820CF-B880-4189-942D-D702A7CBA730}" type="datetimeFigureOut">
               <a:rPr lang="zh-CN" altLang="en-US" smtClean="0"/>
               <a:pPr/>
-              <a:t>2018/3/15</a:t>
+              <a:t>2018/3/22</a:t>
             </a:fld>
             <a:endParaRPr lang="zh-CN" altLang="en-US"/>
           </a:p>
@@ -10517,7 +10529,7 @@
             <a:fld id="{530820CF-B880-4189-942D-D702A7CBA730}" type="datetimeFigureOut">
               <a:rPr lang="zh-CN" altLang="en-US" smtClean="0"/>
               <a:pPr/>
-              <a:t>2018/3/15</a:t>
+              <a:t>2018/3/22</a:t>
             </a:fld>
             <a:endParaRPr lang="zh-CN" altLang="en-US"/>
           </a:p>
@@ -11347,7 +11359,7 @@
             </a:ln>
             <a:extLst>
               <a:ext uri="{91240B29-F687-4f45-9708-019B960494DF}">
-                <a14:hiddenLine xmlns="" xmlns:a14="http://schemas.microsoft.com/office/drawing/2010/main" w="9525">
+                <a14:hiddenLine xmlns:a14="http://schemas.microsoft.com/office/drawing/2010/main" xmlns="" w="9525">
                   <a:solidFill>
                     <a:srgbClr val="000000"/>
                   </a:solidFill>
@@ -11530,7 +11542,7 @@
             <a:fld id="{530820CF-B880-4189-942D-D702A7CBA730}" type="datetimeFigureOut">
               <a:rPr lang="zh-CN" altLang="en-US" smtClean="0"/>
               <a:pPr/>
-              <a:t>2018/3/15</a:t>
+              <a:t>2018/3/22</a:t>
             </a:fld>
             <a:endParaRPr lang="zh-CN" altLang="en-US"/>
           </a:p>
@@ -11816,7 +11828,7 @@
             <a:fld id="{530820CF-B880-4189-942D-D702A7CBA730}" type="datetimeFigureOut">
               <a:rPr lang="zh-CN" altLang="en-US" smtClean="0"/>
               <a:pPr/>
-              <a:t>2018/3/15</a:t>
+              <a:t>2018/3/22</a:t>
             </a:fld>
             <a:endParaRPr lang="zh-CN" altLang="en-US"/>
           </a:p>
@@ -12218,7 +12230,7 @@
             <a:fld id="{530820CF-B880-4189-942D-D702A7CBA730}" type="datetimeFigureOut">
               <a:rPr lang="zh-CN" altLang="en-US" smtClean="0"/>
               <a:pPr/>
-              <a:t>2018/3/15</a:t>
+              <a:t>2018/3/22</a:t>
             </a:fld>
             <a:endParaRPr lang="zh-CN" altLang="en-US"/>
           </a:p>
@@ -12350,7 +12362,7 @@
             <a:fld id="{530820CF-B880-4189-942D-D702A7CBA730}" type="datetimeFigureOut">
               <a:rPr lang="zh-CN" altLang="en-US" smtClean="0"/>
               <a:pPr/>
-              <a:t>2018/3/15</a:t>
+              <a:t>2018/3/22</a:t>
             </a:fld>
             <a:endParaRPr lang="zh-CN" altLang="en-US"/>
           </a:p>
@@ -12495,7 +12507,7 @@
             <a:fld id="{530820CF-B880-4189-942D-D702A7CBA730}" type="datetimeFigureOut">
               <a:rPr lang="zh-CN" altLang="en-US" smtClean="0"/>
               <a:pPr/>
-              <a:t>2018/3/15</a:t>
+              <a:t>2018/3/22</a:t>
             </a:fld>
             <a:endParaRPr lang="zh-CN" altLang="en-US"/>
           </a:p>
@@ -13325,7 +13337,7 @@
             </a:ln>
             <a:extLst>
               <a:ext uri="{91240B29-F687-4f45-9708-019B960494DF}">
-                <a14:hiddenLine xmlns="" xmlns:a14="http://schemas.microsoft.com/office/drawing/2010/main" w="9525">
+                <a14:hiddenLine xmlns:a14="http://schemas.microsoft.com/office/drawing/2010/main" xmlns="" w="9525">
                   <a:solidFill>
                     <a:srgbClr val="000000"/>
                   </a:solidFill>
@@ -13519,7 +13531,7 @@
             <a:fld id="{530820CF-B880-4189-942D-D702A7CBA730}" type="datetimeFigureOut">
               <a:rPr lang="zh-CN" altLang="en-US" smtClean="0"/>
               <a:pPr/>
-              <a:t>2018/3/15</a:t>
+              <a:t>2018/3/22</a:t>
             </a:fld>
             <a:endParaRPr lang="zh-CN" altLang="en-US"/>
           </a:p>
@@ -14385,7 +14397,7 @@
             </a:ln>
             <a:extLst>
               <a:ext uri="{91240B29-F687-4f45-9708-019B960494DF}">
-                <a14:hiddenLine xmlns="" xmlns:a14="http://schemas.microsoft.com/office/drawing/2010/main" w="9525">
+                <a14:hiddenLine xmlns:a14="http://schemas.microsoft.com/office/drawing/2010/main" xmlns="" w="9525">
                   <a:solidFill>
                     <a:srgbClr val="000000"/>
                   </a:solidFill>
@@ -14603,7 +14615,7 @@
             <a:fld id="{530820CF-B880-4189-942D-D702A7CBA730}" type="datetimeFigureOut">
               <a:rPr lang="zh-CN" altLang="en-US" smtClean="0"/>
               <a:pPr/>
-              <a:t>2018/3/15</a:t>
+              <a:t>2018/3/22</a:t>
             </a:fld>
             <a:endParaRPr lang="zh-CN" altLang="en-US"/>
           </a:p>
@@ -15437,7 +15449,7 @@
             </a:ln>
             <a:extLst>
               <a:ext uri="{91240B29-F687-4f45-9708-019B960494DF}">
-                <a14:hiddenLine xmlns="" xmlns:a14="http://schemas.microsoft.com/office/drawing/2010/main" w="9525">
+                <a14:hiddenLine xmlns:a14="http://schemas.microsoft.com/office/drawing/2010/main" xmlns="" w="9525">
                   <a:solidFill>
                     <a:srgbClr val="000000"/>
                   </a:solidFill>
@@ -15579,7 +15591,7 @@
             <a:fld id="{530820CF-B880-4189-942D-D702A7CBA730}" type="datetimeFigureOut">
               <a:rPr lang="zh-CN" altLang="en-US" smtClean="0"/>
               <a:pPr/>
-              <a:t>2018/3/15</a:t>
+              <a:t>2018/3/22</a:t>
             </a:fld>
             <a:endParaRPr lang="zh-CN" altLang="en-US"/>
           </a:p>
@@ -16937,7 +16949,7 @@
             <p:ph idx="1"/>
             <p:extLst>
               <p:ext uri="{D42A27DB-BD31-4B8C-83A1-F6EECF244321}">
-                <p14:modId xmlns:p14="http://schemas.microsoft.com/office/powerpoint/2010/main" val="157718100"/>
+                <p14:modId xmlns:p14="http://schemas.microsoft.com/office/powerpoint/2010/main" val="3198778226"/>
               </p:ext>
             </p:extLst>
           </p:nvPr>
@@ -18143,8 +18155,51 @@
               <a:t>21000 record dataset containing hourly weather information of London city</a:t>
             </a:r>
           </a:p>
+          <a:p>
+            <a:endParaRPr lang="en-US" b="1" dirty="0">
+              <a:latin typeface="Tahoma" panose="020B0604030504040204" pitchFamily="34" charset="0"/>
+              <a:ea typeface="Tahoma" panose="020B0604030504040204" pitchFamily="34" charset="0"/>
+              <a:cs typeface="Tahoma" panose="020B0604030504040204" pitchFamily="34" charset="0"/>
+            </a:endParaRPr>
+          </a:p>
         </p:txBody>
       </p:sp>
+      <p:pic>
+        <p:nvPicPr>
+          <p:cNvPr id="5" name="图片 4">
+            <a:extLst>
+              <a:ext uri="{FF2B5EF4-FFF2-40B4-BE49-F238E27FC236}">
+                <a16:creationId xmlns:a16="http://schemas.microsoft.com/office/drawing/2014/main" id="{72B251B1-B3DE-4EDF-93E8-4C4D970B8EDE}"/>
+              </a:ext>
+            </a:extLst>
+          </p:cNvPr>
+          <p:cNvPicPr>
+            <a:picLocks noChangeAspect="1"/>
+          </p:cNvPicPr>
+          <p:nvPr/>
+        </p:nvPicPr>
+        <p:blipFill>
+          <a:blip r:embed="rId3" cstate="print">
+            <a:extLst>
+              <a:ext uri="{28A0092B-C50C-407E-A947-70E740481C1C}">
+                <a14:useLocalDpi xmlns:a14="http://schemas.microsoft.com/office/drawing/2010/main" val="0"/>
+              </a:ext>
+            </a:extLst>
+          </a:blip>
+          <a:stretch>
+            <a:fillRect/>
+          </a:stretch>
+        </p:blipFill>
+        <p:spPr>
+          <a:xfrm>
+            <a:off x="1115616" y="4139292"/>
+            <a:ext cx="6480720" cy="2460976"/>
+          </a:xfrm>
+          <a:prstGeom prst="rect">
+            <a:avLst/>
+          </a:prstGeom>
+        </p:spPr>
+      </p:pic>
     </p:spTree>
   </p:cSld>
   <p:clrMapOvr>
@@ -18848,7 +18903,7 @@
                 <a:ea typeface="Tahoma" panose="020B0604030504040204" pitchFamily="34" charset="0"/>
                 <a:cs typeface="Tahoma" panose="020B0604030504040204" pitchFamily="34" charset="0"/>
               </a:rPr>
-              <a:t>The accuracy of the model predicting weather will be more than 90 percent.</a:t>
+              <a:t>The accuracy of the model predicting weather will be correct 4/7(day/day).</a:t>
             </a:r>
           </a:p>
           <a:p>
@@ -18898,7 +18953,7 @@
                 <a:ea typeface="Tahoma" panose="020B0604030504040204" pitchFamily="34" charset="0"/>
                 <a:cs typeface="Tahoma" panose="020B0604030504040204" pitchFamily="34" charset="0"/>
               </a:rPr>
-              <a:t> of 0.10</a:t>
+              <a:t> of 0.40</a:t>
             </a:r>
           </a:p>
           <a:p>
